--- a/Presentation_2.pptx
+++ b/Presentation_2.pptx
@@ -5,19 +5,20 @@
     <p:sldMasterId id="2147483672" r:id="rId1"/>
   </p:sldMasterIdLst>
   <p:notesMasterIdLst>
-    <p:notesMasterId r:id="rId12"/>
+    <p:notesMasterId r:id="rId13"/>
   </p:notesMasterIdLst>
   <p:sldIdLst>
     <p:sldId id="256" r:id="rId2"/>
     <p:sldId id="257" r:id="rId3"/>
-    <p:sldId id="263" r:id="rId4"/>
+    <p:sldId id="271" r:id="rId4"/>
     <p:sldId id="267" r:id="rId5"/>
     <p:sldId id="268" r:id="rId6"/>
-    <p:sldId id="265" r:id="rId7"/>
-    <p:sldId id="262" r:id="rId8"/>
-    <p:sldId id="264" r:id="rId9"/>
-    <p:sldId id="269" r:id="rId10"/>
-    <p:sldId id="266" r:id="rId11"/>
+    <p:sldId id="270" r:id="rId7"/>
+    <p:sldId id="265" r:id="rId8"/>
+    <p:sldId id="262" r:id="rId9"/>
+    <p:sldId id="264" r:id="rId10"/>
+    <p:sldId id="269" r:id="rId11"/>
+    <p:sldId id="266" r:id="rId12"/>
   </p:sldIdLst>
   <p:sldSz cx="12192000" cy="6858000"/>
   <p:notesSz cx="6858000" cy="9144000"/>
@@ -127,7 +128,7 @@
 <file path=ppt/revisionInfo.xml><?xml version="1.0" encoding="utf-8"?>
 <p1510:revInfo xmlns:a="http://schemas.openxmlformats.org/drawingml/2006/main" xmlns:r="http://schemas.openxmlformats.org/officeDocument/2006/relationships" xmlns:p1510="http://schemas.microsoft.com/office/powerpoint/2015/10/main">
   <p1510:revLst>
-    <p1510:client id="{0F3BB4CA-F8E5-492C-8259-24D2278F9AA6}" v="74" dt="2025-03-31T22:01:24.454"/>
+    <p1510:client id="{0F3BB4CA-F8E5-492C-8259-24D2278F9AA6}" v="76" dt="2025-04-01T20:04:48.467"/>
   </p1510:revLst>
 </p1510:revInfo>
 </file>
@@ -137,18 +138,41 @@
   <pc:docChgLst>
     <pc:chgData name="Francisco José Vieira Pinto" userId="ec213725-5f2e-477e-a94d-48722f147602" providerId="ADAL" clId="{0F3BB4CA-F8E5-492C-8259-24D2278F9AA6}"/>
     <pc:docChg chg="undo custSel addSld delSld modSld">
-      <pc:chgData name="Francisco José Vieira Pinto" userId="ec213725-5f2e-477e-a94d-48722f147602" providerId="ADAL" clId="{0F3BB4CA-F8E5-492C-8259-24D2278F9AA6}" dt="2025-03-31T22:15:29.640" v="492" actId="1076"/>
+      <pc:chgData name="Francisco José Vieira Pinto" userId="ec213725-5f2e-477e-a94d-48722f147602" providerId="ADAL" clId="{0F3BB4CA-F8E5-492C-8259-24D2278F9AA6}" dt="2025-04-01T20:57:22.036" v="1066" actId="20577"/>
       <pc:docMkLst>
         <pc:docMk/>
       </pc:docMkLst>
       <pc:sldChg chg="modSp mod">
-        <pc:chgData name="Francisco José Vieira Pinto" userId="ec213725-5f2e-477e-a94d-48722f147602" providerId="ADAL" clId="{0F3BB4CA-F8E5-492C-8259-24D2278F9AA6}" dt="2025-03-31T18:08:33.872" v="332" actId="20577"/>
+        <pc:chgData name="Francisco José Vieira Pinto" userId="ec213725-5f2e-477e-a94d-48722f147602" providerId="ADAL" clId="{0F3BB4CA-F8E5-492C-8259-24D2278F9AA6}" dt="2025-04-01T19:41:25.118" v="545" actId="790"/>
+        <pc:sldMkLst>
+          <pc:docMk/>
+          <pc:sldMk cId="1802593635" sldId="256"/>
+        </pc:sldMkLst>
+        <pc:spChg chg="mod">
+          <ac:chgData name="Francisco José Vieira Pinto" userId="ec213725-5f2e-477e-a94d-48722f147602" providerId="ADAL" clId="{0F3BB4CA-F8E5-492C-8259-24D2278F9AA6}" dt="2025-04-01T19:41:25.118" v="545" actId="790"/>
+          <ac:spMkLst>
+            <pc:docMk/>
+            <pc:sldMk cId="1802593635" sldId="256"/>
+            <ac:spMk id="2" creationId="{395E4236-60D0-F9BA-8140-B0B7817F5847}"/>
+          </ac:spMkLst>
+        </pc:spChg>
+      </pc:sldChg>
+      <pc:sldChg chg="modSp mod">
+        <pc:chgData name="Francisco José Vieira Pinto" userId="ec213725-5f2e-477e-a94d-48722f147602" providerId="ADAL" clId="{0F3BB4CA-F8E5-492C-8259-24D2278F9AA6}" dt="2025-04-01T19:41:25.118" v="545" actId="790"/>
         <pc:sldMkLst>
           <pc:docMk/>
           <pc:sldMk cId="2795946133" sldId="257"/>
         </pc:sldMkLst>
         <pc:spChg chg="mod">
-          <ac:chgData name="Francisco José Vieira Pinto" userId="ec213725-5f2e-477e-a94d-48722f147602" providerId="ADAL" clId="{0F3BB4CA-F8E5-492C-8259-24D2278F9AA6}" dt="2025-03-31T18:08:33.872" v="332" actId="20577"/>
+          <ac:chgData name="Francisco José Vieira Pinto" userId="ec213725-5f2e-477e-a94d-48722f147602" providerId="ADAL" clId="{0F3BB4CA-F8E5-492C-8259-24D2278F9AA6}" dt="2025-04-01T19:41:25.118" v="545" actId="790"/>
+          <ac:spMkLst>
+            <pc:docMk/>
+            <pc:sldMk cId="2795946133" sldId="257"/>
+            <ac:spMk id="2" creationId="{0F894B18-F553-784D-5BAA-E67458CACCB6}"/>
+          </ac:spMkLst>
+        </pc:spChg>
+        <pc:spChg chg="mod">
+          <ac:chgData name="Francisco José Vieira Pinto" userId="ec213725-5f2e-477e-a94d-48722f147602" providerId="ADAL" clId="{0F3BB4CA-F8E5-492C-8259-24D2278F9AA6}" dt="2025-04-01T19:41:25.118" v="545" actId="790"/>
           <ac:spMkLst>
             <pc:docMk/>
             <pc:sldMk cId="2795946133" sldId="257"/>
@@ -209,13 +233,13 @@
         </pc:sldMkLst>
       </pc:sldChg>
       <pc:sldChg chg="addSp delSp modSp add mod">
-        <pc:chgData name="Francisco José Vieira Pinto" userId="ec213725-5f2e-477e-a94d-48722f147602" providerId="ADAL" clId="{0F3BB4CA-F8E5-492C-8259-24D2278F9AA6}" dt="2025-03-31T22:11:45.430" v="480" actId="22"/>
+        <pc:chgData name="Francisco José Vieira Pinto" userId="ec213725-5f2e-477e-a94d-48722f147602" providerId="ADAL" clId="{0F3BB4CA-F8E5-492C-8259-24D2278F9AA6}" dt="2025-04-01T20:09:00.306" v="925" actId="1076"/>
         <pc:sldMkLst>
           <pc:docMk/>
           <pc:sldMk cId="4033767671" sldId="262"/>
         </pc:sldMkLst>
         <pc:spChg chg="mod">
-          <ac:chgData name="Francisco José Vieira Pinto" userId="ec213725-5f2e-477e-a94d-48722f147602" providerId="ADAL" clId="{0F3BB4CA-F8E5-492C-8259-24D2278F9AA6}" dt="2025-03-31T17:56:05.182" v="223" actId="404"/>
+          <ac:chgData name="Francisco José Vieira Pinto" userId="ec213725-5f2e-477e-a94d-48722f147602" providerId="ADAL" clId="{0F3BB4CA-F8E5-492C-8259-24D2278F9AA6}" dt="2025-04-01T19:41:25.118" v="545" actId="790"/>
           <ac:spMkLst>
             <pc:docMk/>
             <pc:sldMk cId="4033767671" sldId="262"/>
@@ -231,13 +255,21 @@
           </ac:spMkLst>
         </pc:spChg>
         <pc:spChg chg="add mod">
-          <ac:chgData name="Francisco José Vieira Pinto" userId="ec213725-5f2e-477e-a94d-48722f147602" providerId="ADAL" clId="{0F3BB4CA-F8E5-492C-8259-24D2278F9AA6}" dt="2025-03-31T17:55:12.516" v="167" actId="478"/>
+          <ac:chgData name="Francisco José Vieira Pinto" userId="ec213725-5f2e-477e-a94d-48722f147602" providerId="ADAL" clId="{0F3BB4CA-F8E5-492C-8259-24D2278F9AA6}" dt="2025-04-01T20:08:58.378" v="924" actId="20577"/>
           <ac:spMkLst>
             <pc:docMk/>
             <pc:sldMk cId="4033767671" sldId="262"/>
             <ac:spMk id="6" creationId="{DCDAFE03-2205-0C11-3D31-CA8250AF0A16}"/>
           </ac:spMkLst>
         </pc:spChg>
+        <pc:picChg chg="add mod">
+          <ac:chgData name="Francisco José Vieira Pinto" userId="ec213725-5f2e-477e-a94d-48722f147602" providerId="ADAL" clId="{0F3BB4CA-F8E5-492C-8259-24D2278F9AA6}" dt="2025-04-01T20:00:22.284" v="654" actId="1076"/>
+          <ac:picMkLst>
+            <pc:docMk/>
+            <pc:sldMk cId="4033767671" sldId="262"/>
+            <ac:picMk id="4" creationId="{3B6585DF-85E4-9788-464E-B1F7099C62CB}"/>
+          </ac:picMkLst>
+        </pc:picChg>
         <pc:picChg chg="del">
           <ac:chgData name="Francisco José Vieira Pinto" userId="ec213725-5f2e-477e-a94d-48722f147602" providerId="ADAL" clId="{0F3BB4CA-F8E5-492C-8259-24D2278F9AA6}" dt="2025-03-31T17:47:20.932" v="60" actId="478"/>
           <ac:picMkLst>
@@ -246,8 +278,8 @@
             <ac:picMk id="5" creationId="{B65D3411-3652-5E10-E7E5-01F43E61F1D0}"/>
           </ac:picMkLst>
         </pc:picChg>
-        <pc:picChg chg="add">
-          <ac:chgData name="Francisco José Vieira Pinto" userId="ec213725-5f2e-477e-a94d-48722f147602" providerId="ADAL" clId="{0F3BB4CA-F8E5-492C-8259-24D2278F9AA6}" dt="2025-03-31T22:11:45.430" v="480" actId="22"/>
+        <pc:picChg chg="add mod">
+          <ac:chgData name="Francisco José Vieira Pinto" userId="ec213725-5f2e-477e-a94d-48722f147602" providerId="ADAL" clId="{0F3BB4CA-F8E5-492C-8259-24D2278F9AA6}" dt="2025-04-01T20:09:00.306" v="925" actId="1076"/>
           <ac:picMkLst>
             <pc:docMk/>
             <pc:sldMk cId="4033767671" sldId="262"/>
@@ -278,14 +310,14 @@
           <pc:sldMk cId="1081607804" sldId="263"/>
         </pc:sldMkLst>
       </pc:sldChg>
-      <pc:sldChg chg="modSp new mod">
-        <pc:chgData name="Francisco José Vieira Pinto" userId="ec213725-5f2e-477e-a94d-48722f147602" providerId="ADAL" clId="{0F3BB4CA-F8E5-492C-8259-24D2278F9AA6}" dt="2025-03-31T17:54:52.510" v="161" actId="20577"/>
+      <pc:sldChg chg="modSp new del mod">
+        <pc:chgData name="Francisco José Vieira Pinto" userId="ec213725-5f2e-477e-a94d-48722f147602" providerId="ADAL" clId="{0F3BB4CA-F8E5-492C-8259-24D2278F9AA6}" dt="2025-04-01T19:47:19.341" v="634" actId="47"/>
         <pc:sldMkLst>
           <pc:docMk/>
           <pc:sldMk cId="2580595808" sldId="263"/>
         </pc:sldMkLst>
         <pc:spChg chg="mod">
-          <ac:chgData name="Francisco José Vieira Pinto" userId="ec213725-5f2e-477e-a94d-48722f147602" providerId="ADAL" clId="{0F3BB4CA-F8E5-492C-8259-24D2278F9AA6}" dt="2025-03-31T17:54:04.626" v="136"/>
+          <ac:chgData name="Francisco José Vieira Pinto" userId="ec213725-5f2e-477e-a94d-48722f147602" providerId="ADAL" clId="{0F3BB4CA-F8E5-492C-8259-24D2278F9AA6}" dt="2025-04-01T19:41:25.118" v="545" actId="790"/>
           <ac:spMkLst>
             <pc:docMk/>
             <pc:sldMk cId="2580595808" sldId="263"/>
@@ -293,7 +325,7 @@
           </ac:spMkLst>
         </pc:spChg>
         <pc:spChg chg="mod">
-          <ac:chgData name="Francisco José Vieira Pinto" userId="ec213725-5f2e-477e-a94d-48722f147602" providerId="ADAL" clId="{0F3BB4CA-F8E5-492C-8259-24D2278F9AA6}" dt="2025-03-31T17:54:52.510" v="161" actId="20577"/>
+          <ac:chgData name="Francisco José Vieira Pinto" userId="ec213725-5f2e-477e-a94d-48722f147602" providerId="ADAL" clId="{0F3BB4CA-F8E5-492C-8259-24D2278F9AA6}" dt="2025-04-01T19:41:25.118" v="545" actId="790"/>
           <ac:spMkLst>
             <pc:docMk/>
             <pc:sldMk cId="2580595808" sldId="263"/>
@@ -316,25 +348,41 @@
         </pc:sldMkLst>
       </pc:sldChg>
       <pc:sldChg chg="addSp modSp new mod">
-        <pc:chgData name="Francisco José Vieira Pinto" userId="ec213725-5f2e-477e-a94d-48722f147602" providerId="ADAL" clId="{0F3BB4CA-F8E5-492C-8259-24D2278F9AA6}" dt="2025-03-31T22:12:07.061" v="482" actId="1076"/>
+        <pc:chgData name="Francisco José Vieira Pinto" userId="ec213725-5f2e-477e-a94d-48722f147602" providerId="ADAL" clId="{0F3BB4CA-F8E5-492C-8259-24D2278F9AA6}" dt="2025-04-01T20:48:32.929" v="962" actId="20577"/>
         <pc:sldMkLst>
           <pc:docMk/>
           <pc:sldMk cId="2835157163" sldId="264"/>
         </pc:sldMkLst>
         <pc:spChg chg="mod">
-          <ac:chgData name="Francisco José Vieira Pinto" userId="ec213725-5f2e-477e-a94d-48722f147602" providerId="ADAL" clId="{0F3BB4CA-F8E5-492C-8259-24D2278F9AA6}" dt="2025-03-31T17:56:12.277" v="224"/>
+          <ac:chgData name="Francisco José Vieira Pinto" userId="ec213725-5f2e-477e-a94d-48722f147602" providerId="ADAL" clId="{0F3BB4CA-F8E5-492C-8259-24D2278F9AA6}" dt="2025-04-01T19:41:25.118" v="545" actId="790"/>
           <ac:spMkLst>
             <pc:docMk/>
             <pc:sldMk cId="2835157163" sldId="264"/>
             <ac:spMk id="2" creationId="{E1CBE1E3-7682-8266-8C60-EF25D25FE5B9}"/>
           </ac:spMkLst>
         </pc:spChg>
+        <pc:spChg chg="mod">
+          <ac:chgData name="Francisco José Vieira Pinto" userId="ec213725-5f2e-477e-a94d-48722f147602" providerId="ADAL" clId="{0F3BB4CA-F8E5-492C-8259-24D2278F9AA6}" dt="2025-04-01T20:48:32.929" v="962" actId="20577"/>
+          <ac:spMkLst>
+            <pc:docMk/>
+            <pc:sldMk cId="2835157163" sldId="264"/>
+            <ac:spMk id="3" creationId="{80600FA0-23BB-78CC-77A3-C0A03211B945}"/>
+          </ac:spMkLst>
+        </pc:spChg>
         <pc:picChg chg="add mod">
-          <ac:chgData name="Francisco José Vieira Pinto" userId="ec213725-5f2e-477e-a94d-48722f147602" providerId="ADAL" clId="{0F3BB4CA-F8E5-492C-8259-24D2278F9AA6}" dt="2025-03-31T22:12:07.061" v="482" actId="1076"/>
+          <ac:chgData name="Francisco José Vieira Pinto" userId="ec213725-5f2e-477e-a94d-48722f147602" providerId="ADAL" clId="{0F3BB4CA-F8E5-492C-8259-24D2278F9AA6}" dt="2025-04-01T20:00:43.785" v="657" actId="1076"/>
           <ac:picMkLst>
             <pc:docMk/>
             <pc:sldMk cId="2835157163" sldId="264"/>
             <ac:picMk id="5" creationId="{99CC6836-2584-4A49-075C-27F67B15EE5C}"/>
+          </ac:picMkLst>
+        </pc:picChg>
+        <pc:picChg chg="add mod">
+          <ac:chgData name="Francisco José Vieira Pinto" userId="ec213725-5f2e-477e-a94d-48722f147602" providerId="ADAL" clId="{0F3BB4CA-F8E5-492C-8259-24D2278F9AA6}" dt="2025-04-01T20:00:42.334" v="656" actId="1076"/>
+          <ac:picMkLst>
+            <pc:docMk/>
+            <pc:sldMk cId="2835157163" sldId="264"/>
+            <ac:picMk id="6" creationId="{959F7728-2E9A-D0E0-D850-233F82751823}"/>
           </ac:picMkLst>
         </pc:picChg>
       </pc:sldChg>
@@ -345,37 +393,53 @@
           <pc:sldMk cId="3842670539" sldId="264"/>
         </pc:sldMkLst>
       </pc:sldChg>
-      <pc:sldChg chg="addSp modSp new mod">
-        <pc:chgData name="Francisco José Vieira Pinto" userId="ec213725-5f2e-477e-a94d-48722f147602" providerId="ADAL" clId="{0F3BB4CA-F8E5-492C-8259-24D2278F9AA6}" dt="2025-03-31T22:12:10.045" v="483" actId="1076"/>
+      <pc:sldChg chg="addSp delSp modSp new mod">
+        <pc:chgData name="Francisco José Vieira Pinto" userId="ec213725-5f2e-477e-a94d-48722f147602" providerId="ADAL" clId="{0F3BB4CA-F8E5-492C-8259-24D2278F9AA6}" dt="2025-04-01T20:48:45.331" v="963"/>
         <pc:sldMkLst>
           <pc:docMk/>
           <pc:sldMk cId="484794684" sldId="265"/>
         </pc:sldMkLst>
         <pc:spChg chg="mod">
-          <ac:chgData name="Francisco José Vieira Pinto" userId="ec213725-5f2e-477e-a94d-48722f147602" providerId="ADAL" clId="{0F3BB4CA-F8E5-492C-8259-24D2278F9AA6}" dt="2025-03-31T22:02:12.115" v="477" actId="403"/>
+          <ac:chgData name="Francisco José Vieira Pinto" userId="ec213725-5f2e-477e-a94d-48722f147602" providerId="ADAL" clId="{0F3BB4CA-F8E5-492C-8259-24D2278F9AA6}" dt="2025-04-01T19:41:25.118" v="545" actId="790"/>
           <ac:spMkLst>
             <pc:docMk/>
             <pc:sldMk cId="484794684" sldId="265"/>
             <ac:spMk id="2" creationId="{54B3E928-E42B-9615-21E4-A16506A28A18}"/>
           </ac:spMkLst>
         </pc:spChg>
-        <pc:picChg chg="add mod">
-          <ac:chgData name="Francisco José Vieira Pinto" userId="ec213725-5f2e-477e-a94d-48722f147602" providerId="ADAL" clId="{0F3BB4CA-F8E5-492C-8259-24D2278F9AA6}" dt="2025-03-31T22:12:10.045" v="483" actId="1076"/>
+        <pc:spChg chg="mod">
+          <ac:chgData name="Francisco José Vieira Pinto" userId="ec213725-5f2e-477e-a94d-48722f147602" providerId="ADAL" clId="{0F3BB4CA-F8E5-492C-8259-24D2278F9AA6}" dt="2025-04-01T20:48:45.331" v="963"/>
+          <ac:spMkLst>
+            <pc:docMk/>
+            <pc:sldMk cId="484794684" sldId="265"/>
+            <ac:spMk id="3" creationId="{6E7A815B-BC30-4D85-46F4-76AA1835F40D}"/>
+          </ac:spMkLst>
+        </pc:spChg>
+        <pc:picChg chg="add del mod">
+          <ac:chgData name="Francisco José Vieira Pinto" userId="ec213725-5f2e-477e-a94d-48722f147602" providerId="ADAL" clId="{0F3BB4CA-F8E5-492C-8259-24D2278F9AA6}" dt="2025-04-01T19:52:20.034" v="650" actId="478"/>
           <ac:picMkLst>
             <pc:docMk/>
             <pc:sldMk cId="484794684" sldId="265"/>
             <ac:picMk id="5" creationId="{E51DEC7C-74A1-2D61-CF84-BE956B3411EB}"/>
           </ac:picMkLst>
         </pc:picChg>
+        <pc:picChg chg="add mod">
+          <ac:chgData name="Francisco José Vieira Pinto" userId="ec213725-5f2e-477e-a94d-48722f147602" providerId="ADAL" clId="{0F3BB4CA-F8E5-492C-8259-24D2278F9AA6}" dt="2025-04-01T20:08:40.672" v="919" actId="1076"/>
+          <ac:picMkLst>
+            <pc:docMk/>
+            <pc:sldMk cId="484794684" sldId="265"/>
+            <ac:picMk id="6" creationId="{6859D510-D29D-09D3-6C63-8E4812B72621}"/>
+          </ac:picMkLst>
+        </pc:picChg>
       </pc:sldChg>
       <pc:sldChg chg="addSp delSp modSp new mod">
-        <pc:chgData name="Francisco José Vieira Pinto" userId="ec213725-5f2e-477e-a94d-48722f147602" providerId="ADAL" clId="{0F3BB4CA-F8E5-492C-8259-24D2278F9AA6}" dt="2025-03-31T22:01:30.585" v="444" actId="14100"/>
+        <pc:chgData name="Francisco José Vieira Pinto" userId="ec213725-5f2e-477e-a94d-48722f147602" providerId="ADAL" clId="{0F3BB4CA-F8E5-492C-8259-24D2278F9AA6}" dt="2025-04-01T19:41:25.118" v="545" actId="790"/>
         <pc:sldMkLst>
           <pc:docMk/>
           <pc:sldMk cId="1001325856" sldId="266"/>
         </pc:sldMkLst>
         <pc:spChg chg="mod">
-          <ac:chgData name="Francisco José Vieira Pinto" userId="ec213725-5f2e-477e-a94d-48722f147602" providerId="ADAL" clId="{0F3BB4CA-F8E5-492C-8259-24D2278F9AA6}" dt="2025-03-31T17:56:36.661" v="245" actId="20577"/>
+          <ac:chgData name="Francisco José Vieira Pinto" userId="ec213725-5f2e-477e-a94d-48722f147602" providerId="ADAL" clId="{0F3BB4CA-F8E5-492C-8259-24D2278F9AA6}" dt="2025-04-01T19:41:25.118" v="545" actId="790"/>
           <ac:spMkLst>
             <pc:docMk/>
             <pc:sldMk cId="1001325856" sldId="266"/>
@@ -408,7 +472,7 @@
         </pc:picChg>
       </pc:sldChg>
       <pc:sldChg chg="addSp delSp modSp new mod">
-        <pc:chgData name="Francisco José Vieira Pinto" userId="ec213725-5f2e-477e-a94d-48722f147602" providerId="ADAL" clId="{0F3BB4CA-F8E5-492C-8259-24D2278F9AA6}" dt="2025-03-31T21:59:59.097" v="432" actId="1035"/>
+        <pc:chgData name="Francisco José Vieira Pinto" userId="ec213725-5f2e-477e-a94d-48722f147602" providerId="ADAL" clId="{0F3BB4CA-F8E5-492C-8259-24D2278F9AA6}" dt="2025-04-01T19:41:25.118" v="545" actId="790"/>
         <pc:sldMkLst>
           <pc:docMk/>
           <pc:sldMk cId="733950059" sldId="267"/>
@@ -430,7 +494,7 @@
           </ac:spMkLst>
         </pc:spChg>
         <pc:spChg chg="add mod">
-          <ac:chgData name="Francisco José Vieira Pinto" userId="ec213725-5f2e-477e-a94d-48722f147602" providerId="ADAL" clId="{0F3BB4CA-F8E5-492C-8259-24D2278F9AA6}" dt="2025-03-31T21:58:19.606" v="379" actId="208"/>
+          <ac:chgData name="Francisco José Vieira Pinto" userId="ec213725-5f2e-477e-a94d-48722f147602" providerId="ADAL" clId="{0F3BB4CA-F8E5-492C-8259-24D2278F9AA6}" dt="2025-04-01T19:41:25.118" v="545" actId="790"/>
           <ac:spMkLst>
             <pc:docMk/>
             <pc:sldMk cId="733950059" sldId="267"/>
@@ -438,7 +502,7 @@
           </ac:spMkLst>
         </pc:spChg>
         <pc:spChg chg="add mod">
-          <ac:chgData name="Francisco José Vieira Pinto" userId="ec213725-5f2e-477e-a94d-48722f147602" providerId="ADAL" clId="{0F3BB4CA-F8E5-492C-8259-24D2278F9AA6}" dt="2025-03-31T21:58:23.138" v="381" actId="1076"/>
+          <ac:chgData name="Francisco José Vieira Pinto" userId="ec213725-5f2e-477e-a94d-48722f147602" providerId="ADAL" clId="{0F3BB4CA-F8E5-492C-8259-24D2278F9AA6}" dt="2025-04-01T19:41:25.118" v="545" actId="790"/>
           <ac:spMkLst>
             <pc:docMk/>
             <pc:sldMk cId="733950059" sldId="267"/>
@@ -446,7 +510,7 @@
           </ac:spMkLst>
         </pc:spChg>
         <pc:spChg chg="add mod">
-          <ac:chgData name="Francisco José Vieira Pinto" userId="ec213725-5f2e-477e-a94d-48722f147602" providerId="ADAL" clId="{0F3BB4CA-F8E5-492C-8259-24D2278F9AA6}" dt="2025-03-31T21:58:25.268" v="383" actId="1076"/>
+          <ac:chgData name="Francisco José Vieira Pinto" userId="ec213725-5f2e-477e-a94d-48722f147602" providerId="ADAL" clId="{0F3BB4CA-F8E5-492C-8259-24D2278F9AA6}" dt="2025-04-01T19:41:25.118" v="545" actId="790"/>
           <ac:spMkLst>
             <pc:docMk/>
             <pc:sldMk cId="733950059" sldId="267"/>
@@ -454,7 +518,7 @@
           </ac:spMkLst>
         </pc:spChg>
         <pc:spChg chg="add mod">
-          <ac:chgData name="Francisco José Vieira Pinto" userId="ec213725-5f2e-477e-a94d-48722f147602" providerId="ADAL" clId="{0F3BB4CA-F8E5-492C-8259-24D2278F9AA6}" dt="2025-03-31T21:58:27.885" v="385" actId="1076"/>
+          <ac:chgData name="Francisco José Vieira Pinto" userId="ec213725-5f2e-477e-a94d-48722f147602" providerId="ADAL" clId="{0F3BB4CA-F8E5-492C-8259-24D2278F9AA6}" dt="2025-04-01T19:41:25.118" v="545" actId="790"/>
           <ac:spMkLst>
             <pc:docMk/>
             <pc:sldMk cId="733950059" sldId="267"/>
@@ -462,7 +526,7 @@
           </ac:spMkLst>
         </pc:spChg>
         <pc:spChg chg="add mod">
-          <ac:chgData name="Francisco José Vieira Pinto" userId="ec213725-5f2e-477e-a94d-48722f147602" providerId="ADAL" clId="{0F3BB4CA-F8E5-492C-8259-24D2278F9AA6}" dt="2025-03-31T21:58:30.286" v="387" actId="1076"/>
+          <ac:chgData name="Francisco José Vieira Pinto" userId="ec213725-5f2e-477e-a94d-48722f147602" providerId="ADAL" clId="{0F3BB4CA-F8E5-492C-8259-24D2278F9AA6}" dt="2025-04-01T19:41:25.118" v="545" actId="790"/>
           <ac:spMkLst>
             <pc:docMk/>
             <pc:sldMk cId="733950059" sldId="267"/>
@@ -470,7 +534,7 @@
           </ac:spMkLst>
         </pc:spChg>
         <pc:spChg chg="add mod">
-          <ac:chgData name="Francisco José Vieira Pinto" userId="ec213725-5f2e-477e-a94d-48722f147602" providerId="ADAL" clId="{0F3BB4CA-F8E5-492C-8259-24D2278F9AA6}" dt="2025-03-31T21:58:33.156" v="389" actId="1076"/>
+          <ac:chgData name="Francisco José Vieira Pinto" userId="ec213725-5f2e-477e-a94d-48722f147602" providerId="ADAL" clId="{0F3BB4CA-F8E5-492C-8259-24D2278F9AA6}" dt="2025-04-01T19:41:25.118" v="545" actId="790"/>
           <ac:spMkLst>
             <pc:docMk/>
             <pc:sldMk cId="733950059" sldId="267"/>
@@ -478,7 +542,7 @@
           </ac:spMkLst>
         </pc:spChg>
         <pc:spChg chg="add mod">
-          <ac:chgData name="Francisco José Vieira Pinto" userId="ec213725-5f2e-477e-a94d-48722f147602" providerId="ADAL" clId="{0F3BB4CA-F8E5-492C-8259-24D2278F9AA6}" dt="2025-03-31T21:58:35.948" v="391" actId="1076"/>
+          <ac:chgData name="Francisco José Vieira Pinto" userId="ec213725-5f2e-477e-a94d-48722f147602" providerId="ADAL" clId="{0F3BB4CA-F8E5-492C-8259-24D2278F9AA6}" dt="2025-04-01T19:41:25.118" v="545" actId="790"/>
           <ac:spMkLst>
             <pc:docMk/>
             <pc:sldMk cId="733950059" sldId="267"/>
@@ -486,7 +550,7 @@
           </ac:spMkLst>
         </pc:spChg>
         <pc:spChg chg="add mod">
-          <ac:chgData name="Francisco José Vieira Pinto" userId="ec213725-5f2e-477e-a94d-48722f147602" providerId="ADAL" clId="{0F3BB4CA-F8E5-492C-8259-24D2278F9AA6}" dt="2025-03-31T21:58:38.678" v="393" actId="1076"/>
+          <ac:chgData name="Francisco José Vieira Pinto" userId="ec213725-5f2e-477e-a94d-48722f147602" providerId="ADAL" clId="{0F3BB4CA-F8E5-492C-8259-24D2278F9AA6}" dt="2025-04-01T19:41:25.118" v="545" actId="790"/>
           <ac:spMkLst>
             <pc:docMk/>
             <pc:sldMk cId="733950059" sldId="267"/>
@@ -494,7 +558,7 @@
           </ac:spMkLst>
         </pc:spChg>
         <pc:spChg chg="add mod">
-          <ac:chgData name="Francisco José Vieira Pinto" userId="ec213725-5f2e-477e-a94d-48722f147602" providerId="ADAL" clId="{0F3BB4CA-F8E5-492C-8259-24D2278F9AA6}" dt="2025-03-31T21:58:42.224" v="396" actId="1076"/>
+          <ac:chgData name="Francisco José Vieira Pinto" userId="ec213725-5f2e-477e-a94d-48722f147602" providerId="ADAL" clId="{0F3BB4CA-F8E5-492C-8259-24D2278F9AA6}" dt="2025-04-01T19:41:25.118" v="545" actId="790"/>
           <ac:spMkLst>
             <pc:docMk/>
             <pc:sldMk cId="733950059" sldId="267"/>
@@ -502,7 +566,7 @@
           </ac:spMkLst>
         </pc:spChg>
         <pc:spChg chg="add mod">
-          <ac:chgData name="Francisco José Vieira Pinto" userId="ec213725-5f2e-477e-a94d-48722f147602" providerId="ADAL" clId="{0F3BB4CA-F8E5-492C-8259-24D2278F9AA6}" dt="2025-03-31T21:58:44.558" v="398" actId="1076"/>
+          <ac:chgData name="Francisco José Vieira Pinto" userId="ec213725-5f2e-477e-a94d-48722f147602" providerId="ADAL" clId="{0F3BB4CA-F8E5-492C-8259-24D2278F9AA6}" dt="2025-04-01T19:41:25.118" v="545" actId="790"/>
           <ac:spMkLst>
             <pc:docMk/>
             <pc:sldMk cId="733950059" sldId="267"/>
@@ -695,21 +759,21 @@
         </pc:picChg>
       </pc:sldChg>
       <pc:sldChg chg="addSp delSp modSp new mod">
-        <pc:chgData name="Francisco José Vieira Pinto" userId="ec213725-5f2e-477e-a94d-48722f147602" providerId="ADAL" clId="{0F3BB4CA-F8E5-492C-8259-24D2278F9AA6}" dt="2025-03-31T22:15:29.640" v="492" actId="1076"/>
+        <pc:chgData name="Francisco José Vieira Pinto" userId="ec213725-5f2e-477e-a94d-48722f147602" providerId="ADAL" clId="{0F3BB4CA-F8E5-492C-8259-24D2278F9AA6}" dt="2025-04-01T20:08:26.181" v="913" actId="20577"/>
         <pc:sldMkLst>
           <pc:docMk/>
           <pc:sldMk cId="3094834763" sldId="268"/>
         </pc:sldMkLst>
         <pc:spChg chg="mod">
-          <ac:chgData name="Francisco José Vieira Pinto" userId="ec213725-5f2e-477e-a94d-48722f147602" providerId="ADAL" clId="{0F3BB4CA-F8E5-492C-8259-24D2278F9AA6}" dt="2025-03-31T22:01:55.286" v="455" actId="20577"/>
+          <ac:chgData name="Francisco José Vieira Pinto" userId="ec213725-5f2e-477e-a94d-48722f147602" providerId="ADAL" clId="{0F3BB4CA-F8E5-492C-8259-24D2278F9AA6}" dt="2025-04-01T19:41:25.118" v="545" actId="790"/>
           <ac:spMkLst>
             <pc:docMk/>
             <pc:sldMk cId="3094834763" sldId="268"/>
             <ac:spMk id="2" creationId="{875777B6-D2E9-1CBC-EC45-1F3C12E47E64}"/>
           </ac:spMkLst>
         </pc:spChg>
-        <pc:spChg chg="add del">
-          <ac:chgData name="Francisco José Vieira Pinto" userId="ec213725-5f2e-477e-a94d-48722f147602" providerId="ADAL" clId="{0F3BB4CA-F8E5-492C-8259-24D2278F9AA6}" dt="2025-03-31T22:15:22.162" v="490" actId="22"/>
+        <pc:spChg chg="add del mod">
+          <ac:chgData name="Francisco José Vieira Pinto" userId="ec213725-5f2e-477e-a94d-48722f147602" providerId="ADAL" clId="{0F3BB4CA-F8E5-492C-8259-24D2278F9AA6}" dt="2025-04-01T20:08:26.181" v="913" actId="20577"/>
           <ac:spMkLst>
             <pc:docMk/>
             <pc:sldMk cId="3094834763" sldId="268"/>
@@ -724,8 +788,16 @@
             <ac:picMk id="5" creationId="{166DB011-6C96-A19B-F606-4007195AE938}"/>
           </ac:picMkLst>
         </pc:picChg>
-        <pc:picChg chg="add mod">
-          <ac:chgData name="Francisco José Vieira Pinto" userId="ec213725-5f2e-477e-a94d-48722f147602" providerId="ADAL" clId="{0F3BB4CA-F8E5-492C-8259-24D2278F9AA6}" dt="2025-03-31T22:15:29.640" v="492" actId="1076"/>
+        <pc:picChg chg="add mod modCrop">
+          <ac:chgData name="Francisco José Vieira Pinto" userId="ec213725-5f2e-477e-a94d-48722f147602" providerId="ADAL" clId="{0F3BB4CA-F8E5-492C-8259-24D2278F9AA6}" dt="2025-04-01T20:05:06.743" v="843" actId="1076"/>
+          <ac:picMkLst>
+            <pc:docMk/>
+            <pc:sldMk cId="3094834763" sldId="268"/>
+            <ac:picMk id="5" creationId="{820C69CE-3409-14DC-FE7E-4070A96D8230}"/>
+          </ac:picMkLst>
+        </pc:picChg>
+        <pc:picChg chg="add del mod">
+          <ac:chgData name="Francisco José Vieira Pinto" userId="ec213725-5f2e-477e-a94d-48722f147602" providerId="ADAL" clId="{0F3BB4CA-F8E5-492C-8259-24D2278F9AA6}" dt="2025-04-01T19:21:27.261" v="493" actId="478"/>
           <ac:picMkLst>
             <pc:docMk/>
             <pc:sldMk cId="3094834763" sldId="268"/>
@@ -733,26 +805,88 @@
           </ac:picMkLst>
         </pc:picChg>
       </pc:sldChg>
-      <pc:sldChg chg="addSp modSp new mod">
-        <pc:chgData name="Francisco José Vieira Pinto" userId="ec213725-5f2e-477e-a94d-48722f147602" providerId="ADAL" clId="{0F3BB4CA-F8E5-492C-8259-24D2278F9AA6}" dt="2025-03-31T22:12:48.199" v="488" actId="1076"/>
+      <pc:sldChg chg="addSp delSp modSp new mod">
+        <pc:chgData name="Francisco José Vieira Pinto" userId="ec213725-5f2e-477e-a94d-48722f147602" providerId="ADAL" clId="{0F3BB4CA-F8E5-492C-8259-24D2278F9AA6}" dt="2025-04-01T20:57:22.036" v="1066" actId="20577"/>
         <pc:sldMkLst>
           <pc:docMk/>
           <pc:sldMk cId="1097399852" sldId="269"/>
         </pc:sldMkLst>
         <pc:spChg chg="mod">
-          <ac:chgData name="Francisco José Vieira Pinto" userId="ec213725-5f2e-477e-a94d-48722f147602" providerId="ADAL" clId="{0F3BB4CA-F8E5-492C-8259-24D2278F9AA6}" dt="2025-03-31T22:12:42.838" v="486" actId="20577"/>
+          <ac:chgData name="Francisco José Vieira Pinto" userId="ec213725-5f2e-477e-a94d-48722f147602" providerId="ADAL" clId="{0F3BB4CA-F8E5-492C-8259-24D2278F9AA6}" dt="2025-04-01T19:41:25.118" v="545" actId="790"/>
           <ac:spMkLst>
             <pc:docMk/>
             <pc:sldMk cId="1097399852" sldId="269"/>
             <ac:spMk id="2" creationId="{C5AD21E8-81E5-17D4-2CAC-BE8E9CD414BE}"/>
           </ac:spMkLst>
         </pc:spChg>
-        <pc:picChg chg="add mod">
-          <ac:chgData name="Francisco José Vieira Pinto" userId="ec213725-5f2e-477e-a94d-48722f147602" providerId="ADAL" clId="{0F3BB4CA-F8E5-492C-8259-24D2278F9AA6}" dt="2025-03-31T22:12:48.199" v="488" actId="1076"/>
+        <pc:spChg chg="mod">
+          <ac:chgData name="Francisco José Vieira Pinto" userId="ec213725-5f2e-477e-a94d-48722f147602" providerId="ADAL" clId="{0F3BB4CA-F8E5-492C-8259-24D2278F9AA6}" dt="2025-04-01T20:57:22.036" v="1066" actId="20577"/>
+          <ac:spMkLst>
+            <pc:docMk/>
+            <pc:sldMk cId="1097399852" sldId="269"/>
+            <ac:spMk id="3" creationId="{6A58BAFE-873F-E702-C548-444C82A46920}"/>
+          </ac:spMkLst>
+        </pc:spChg>
+        <pc:picChg chg="add del mod">
+          <ac:chgData name="Francisco José Vieira Pinto" userId="ec213725-5f2e-477e-a94d-48722f147602" providerId="ADAL" clId="{0F3BB4CA-F8E5-492C-8259-24D2278F9AA6}" dt="2025-04-01T20:55:58.246" v="1044" actId="478"/>
           <ac:picMkLst>
             <pc:docMk/>
             <pc:sldMk cId="1097399852" sldId="269"/>
             <ac:picMk id="5" creationId="{4A30570B-7080-C569-121B-A2C0772BA730}"/>
+          </ac:picMkLst>
+        </pc:picChg>
+      </pc:sldChg>
+      <pc:sldChg chg="modSp new mod">
+        <pc:chgData name="Francisco José Vieira Pinto" userId="ec213725-5f2e-477e-a94d-48722f147602" providerId="ADAL" clId="{0F3BB4CA-F8E5-492C-8259-24D2278F9AA6}" dt="2025-04-01T19:51:59.785" v="649" actId="20577"/>
+        <pc:sldMkLst>
+          <pc:docMk/>
+          <pc:sldMk cId="1820760442" sldId="270"/>
+        </pc:sldMkLst>
+        <pc:spChg chg="mod">
+          <ac:chgData name="Francisco José Vieira Pinto" userId="ec213725-5f2e-477e-a94d-48722f147602" providerId="ADAL" clId="{0F3BB4CA-F8E5-492C-8259-24D2278F9AA6}" dt="2025-04-01T19:41:25.118" v="545" actId="790"/>
+          <ac:spMkLst>
+            <pc:docMk/>
+            <pc:sldMk cId="1820760442" sldId="270"/>
+            <ac:spMk id="2" creationId="{F6DF87A1-F616-8188-56F6-3F9201DE28B7}"/>
+          </ac:spMkLst>
+        </pc:spChg>
+        <pc:spChg chg="mod">
+          <ac:chgData name="Francisco José Vieira Pinto" userId="ec213725-5f2e-477e-a94d-48722f147602" providerId="ADAL" clId="{0F3BB4CA-F8E5-492C-8259-24D2278F9AA6}" dt="2025-04-01T19:51:59.785" v="649" actId="20577"/>
+          <ac:spMkLst>
+            <pc:docMk/>
+            <pc:sldMk cId="1820760442" sldId="270"/>
+            <ac:spMk id="3" creationId="{3CD08206-76FD-3009-AA3B-DD8F01E77B91}"/>
+          </ac:spMkLst>
+        </pc:spChg>
+      </pc:sldChg>
+      <pc:sldChg chg="addSp modSp new mod">
+        <pc:chgData name="Francisco José Vieira Pinto" userId="ec213725-5f2e-477e-a94d-48722f147602" providerId="ADAL" clId="{0F3BB4CA-F8E5-492C-8259-24D2278F9AA6}" dt="2025-04-01T19:44:50.059" v="633" actId="20577"/>
+        <pc:sldMkLst>
+          <pc:docMk/>
+          <pc:sldMk cId="2362813367" sldId="271"/>
+        </pc:sldMkLst>
+        <pc:spChg chg="mod">
+          <ac:chgData name="Francisco José Vieira Pinto" userId="ec213725-5f2e-477e-a94d-48722f147602" providerId="ADAL" clId="{0F3BB4CA-F8E5-492C-8259-24D2278F9AA6}" dt="2025-04-01T19:42:38.615" v="562" actId="20577"/>
+          <ac:spMkLst>
+            <pc:docMk/>
+            <pc:sldMk cId="2362813367" sldId="271"/>
+            <ac:spMk id="2" creationId="{7CE7EA1E-04E8-8232-E38E-B5F742B5EB13}"/>
+          </ac:spMkLst>
+        </pc:spChg>
+        <pc:spChg chg="mod">
+          <ac:chgData name="Francisco José Vieira Pinto" userId="ec213725-5f2e-477e-a94d-48722f147602" providerId="ADAL" clId="{0F3BB4CA-F8E5-492C-8259-24D2278F9AA6}" dt="2025-04-01T19:44:50.059" v="633" actId="20577"/>
+          <ac:spMkLst>
+            <pc:docMk/>
+            <pc:sldMk cId="2362813367" sldId="271"/>
+            <ac:spMk id="3" creationId="{47EF399F-30DF-521A-CC4E-3360850F51A4}"/>
+          </ac:spMkLst>
+        </pc:spChg>
+        <pc:picChg chg="add mod">
+          <ac:chgData name="Francisco José Vieira Pinto" userId="ec213725-5f2e-477e-a94d-48722f147602" providerId="ADAL" clId="{0F3BB4CA-F8E5-492C-8259-24D2278F9AA6}" dt="2025-04-01T19:44:41.365" v="615" actId="14100"/>
+          <ac:picMkLst>
+            <pc:docMk/>
+            <pc:sldMk cId="2362813367" sldId="271"/>
+            <ac:picMk id="5" creationId="{753A058A-A419-EADE-F7A4-96D434E7A46F}"/>
           </ac:picMkLst>
         </pc:picChg>
       </pc:sldChg>
@@ -843,7 +977,7 @@
           <a:p>
             <a:fld id="{7CA74C26-AA66-4D2D-B5A3-DE8C75EC5026}" type="datetimeFigureOut">
               <a:rPr lang="en-GB" smtClean="0"/>
-              <a:t>31/03/2025</a:t>
+              <a:t>01/04/2025</a:t>
             </a:fld>
             <a:endParaRPr lang="en-GB"/>
           </a:p>
@@ -1894,7 +2028,7 @@
           <a:p>
             <a:fld id="{25E5AD14-E64D-4308-8E49-C69BC1C2C615}" type="slidenum">
               <a:rPr lang="en-GB" smtClean="0"/>
-              <a:t>7</a:t>
+              <a:t>8</a:t>
             </a:fld>
             <a:endParaRPr lang="en-GB"/>
           </a:p>
@@ -2316,7 +2450,7 @@
           <a:p>
             <a:fld id="{A7BCD7CF-2CDF-4BB5-AF29-22CAA7712BB0}" type="datetimeFigureOut">
               <a:rPr lang="en-GB" smtClean="0"/>
-              <a:t>31/03/2025</a:t>
+              <a:t>01/04/2025</a:t>
             </a:fld>
             <a:endParaRPr lang="en-GB"/>
           </a:p>
@@ -2495,7 +2629,7 @@
           <a:p>
             <a:fld id="{A7BCD7CF-2CDF-4BB5-AF29-22CAA7712BB0}" type="datetimeFigureOut">
               <a:rPr lang="en-GB" smtClean="0"/>
-              <a:t>31/03/2025</a:t>
+              <a:t>01/04/2025</a:t>
             </a:fld>
             <a:endParaRPr lang="en-GB"/>
           </a:p>
@@ -2675,7 +2809,7 @@
           <a:p>
             <a:fld id="{A7BCD7CF-2CDF-4BB5-AF29-22CAA7712BB0}" type="datetimeFigureOut">
               <a:rPr lang="en-GB" smtClean="0"/>
-              <a:t>31/03/2025</a:t>
+              <a:t>01/04/2025</a:t>
             </a:fld>
             <a:endParaRPr lang="en-GB"/>
           </a:p>
@@ -2845,7 +2979,7 @@
           <a:p>
             <a:fld id="{A7BCD7CF-2CDF-4BB5-AF29-22CAA7712BB0}" type="datetimeFigureOut">
               <a:rPr lang="en-GB" smtClean="0"/>
-              <a:t>31/03/2025</a:t>
+              <a:t>01/04/2025</a:t>
             </a:fld>
             <a:endParaRPr lang="en-GB"/>
           </a:p>
@@ -3158,7 +3292,7 @@
           <a:p>
             <a:fld id="{A7BCD7CF-2CDF-4BB5-AF29-22CAA7712BB0}" type="datetimeFigureOut">
               <a:rPr lang="en-GB" smtClean="0"/>
-              <a:t>31/03/2025</a:t>
+              <a:t>01/04/2025</a:t>
             </a:fld>
             <a:endParaRPr lang="en-GB"/>
           </a:p>
@@ -3544,7 +3678,7 @@
           <a:p>
             <a:fld id="{A7BCD7CF-2CDF-4BB5-AF29-22CAA7712BB0}" type="datetimeFigureOut">
               <a:rPr lang="en-GB" smtClean="0"/>
-              <a:t>31/03/2025</a:t>
+              <a:t>01/04/2025</a:t>
             </a:fld>
             <a:endParaRPr lang="en-GB"/>
           </a:p>
@@ -3978,7 +4112,7 @@
           <a:p>
             <a:fld id="{A7BCD7CF-2CDF-4BB5-AF29-22CAA7712BB0}" type="datetimeFigureOut">
               <a:rPr lang="en-GB" smtClean="0"/>
-              <a:t>31/03/2025</a:t>
+              <a:t>01/04/2025</a:t>
             </a:fld>
             <a:endParaRPr lang="en-GB"/>
           </a:p>
@@ -4096,7 +4230,7 @@
           <a:p>
             <a:fld id="{A7BCD7CF-2CDF-4BB5-AF29-22CAA7712BB0}" type="datetimeFigureOut">
               <a:rPr lang="en-GB" smtClean="0"/>
-              <a:t>31/03/2025</a:t>
+              <a:t>01/04/2025</a:t>
             </a:fld>
             <a:endParaRPr lang="en-GB"/>
           </a:p>
@@ -4191,7 +4325,7 @@
           <a:p>
             <a:fld id="{A7BCD7CF-2CDF-4BB5-AF29-22CAA7712BB0}" type="datetimeFigureOut">
               <a:rPr lang="en-GB" smtClean="0"/>
-              <a:t>31/03/2025</a:t>
+              <a:t>01/04/2025</a:t>
             </a:fld>
             <a:endParaRPr lang="en-GB"/>
           </a:p>
@@ -4541,7 +4675,7 @@
           <a:p>
             <a:fld id="{A7BCD7CF-2CDF-4BB5-AF29-22CAA7712BB0}" type="datetimeFigureOut">
               <a:rPr lang="en-GB" smtClean="0"/>
-              <a:t>31/03/2025</a:t>
+              <a:t>01/04/2025</a:t>
             </a:fld>
             <a:endParaRPr lang="en-GB"/>
           </a:p>
@@ -4966,7 +5100,7 @@
           <a:p>
             <a:fld id="{A7BCD7CF-2CDF-4BB5-AF29-22CAA7712BB0}" type="datetimeFigureOut">
               <a:rPr lang="en-GB" smtClean="0"/>
-              <a:t>31/03/2025</a:t>
+              <a:t>01/04/2025</a:t>
             </a:fld>
             <a:endParaRPr lang="en-GB"/>
           </a:p>
@@ -5247,7 +5381,7 @@
           <a:p>
             <a:fld id="{A7BCD7CF-2CDF-4BB5-AF29-22CAA7712BB0}" type="datetimeFigureOut">
               <a:rPr lang="en-GB" smtClean="0"/>
-              <a:t>31/03/2025</a:t>
+              <a:t>01/04/2025</a:t>
             </a:fld>
             <a:endParaRPr lang="en-GB"/>
           </a:p>
@@ -5850,27 +5984,11 @@
           <a:lstStyle/>
           <a:p>
             <a:br>
-              <a:rPr lang="pt-PT" sz="4800" noProof="0" dirty="0"/>
+              <a:rPr lang="en-GB" sz="4800" noProof="0" dirty="0"/>
             </a:br>
             <a:r>
-              <a:rPr lang="pt-PT" sz="4800" noProof="0" dirty="0"/>
-              <a:t> </a:t>
-            </a:r>
-            <a:r>
-              <a:rPr lang="pt-PT" sz="4800" noProof="0" dirty="0" err="1"/>
-              <a:t>Optimization</a:t>
-            </a:r>
-            <a:r>
-              <a:rPr lang="pt-PT" sz="4800" noProof="0" dirty="0"/>
-              <a:t> &amp; </a:t>
-            </a:r>
-            <a:r>
-              <a:rPr lang="pt-PT" sz="4800" noProof="0" dirty="0" err="1"/>
-              <a:t>Decision</a:t>
-            </a:r>
-            <a:r>
-              <a:rPr lang="pt-PT" sz="4800" noProof="0" dirty="0"/>
-              <a:t> - 32</a:t>
+              <a:rPr lang="en-GB" sz="4800" noProof="0" dirty="0"/>
+              <a:t> Optimization &amp; Decision - 32</a:t>
             </a:r>
           </a:p>
         </p:txBody>
@@ -5910,6 +6028,162 @@
           <p:cNvPr id="2" name="Título 1">
             <a:extLst>
               <a:ext uri="{FF2B5EF4-FFF2-40B4-BE49-F238E27FC236}">
+                <a16:creationId xmlns:a16="http://schemas.microsoft.com/office/drawing/2014/main" id="{C5AD21E8-81E5-17D4-2CAC-BE8E9CD414BE}"/>
+              </a:ext>
+            </a:extLst>
+          </p:cNvPr>
+          <p:cNvSpPr>
+            <a:spLocks noGrp="1"/>
+          </p:cNvSpPr>
+          <p:nvPr>
+            <p:ph type="title"/>
+          </p:nvPr>
+        </p:nvSpPr>
+        <p:spPr/>
+        <p:txBody>
+          <a:bodyPr/>
+          <a:lstStyle/>
+          <a:p>
+            <a:r>
+              <a:rPr lang="en-GB" noProof="0" dirty="0"/>
+              <a:t>RL</a:t>
+            </a:r>
+          </a:p>
+        </p:txBody>
+      </p:sp>
+      <p:sp>
+        <p:nvSpPr>
+          <p:cNvPr id="3" name="Marcador de Posição de Conteúdo 2">
+            <a:extLst>
+              <a:ext uri="{FF2B5EF4-FFF2-40B4-BE49-F238E27FC236}">
+                <a16:creationId xmlns:a16="http://schemas.microsoft.com/office/drawing/2014/main" id="{6A58BAFE-873F-E702-C548-444C82A46920}"/>
+              </a:ext>
+            </a:extLst>
+          </p:cNvPr>
+          <p:cNvSpPr>
+            <a:spLocks noGrp="1"/>
+          </p:cNvSpPr>
+          <p:nvPr>
+            <p:ph idx="1"/>
+          </p:nvPr>
+        </p:nvSpPr>
+        <p:spPr/>
+        <p:txBody>
+          <a:bodyPr/>
+          <a:lstStyle/>
+          <a:p>
+            <a:r>
+              <a:rPr lang="en-GB" dirty="0"/>
+              <a:t>Single Battery Environment – 1 Agent</a:t>
+            </a:r>
+          </a:p>
+          <a:p>
+            <a:r>
+              <a:rPr lang="en-GB" dirty="0" err="1"/>
+              <a:t>Obs_State</a:t>
+            </a:r>
+            <a:r>
+              <a:rPr lang="en-GB" dirty="0"/>
+              <a:t> (SoC, </a:t>
+            </a:r>
+            <a:r>
+              <a:rPr lang="en-GB" dirty="0" err="1"/>
+              <a:t>P_load</a:t>
+            </a:r>
+            <a:r>
+              <a:rPr lang="en-GB" dirty="0"/>
+              <a:t>, </a:t>
+            </a:r>
+            <a:r>
+              <a:rPr lang="en-GB" dirty="0" err="1"/>
+              <a:t>P_prod</a:t>
+            </a:r>
+            <a:r>
+              <a:rPr lang="en-GB" dirty="0"/>
+              <a:t>)</a:t>
+            </a:r>
+          </a:p>
+          <a:p>
+            <a:r>
+              <a:rPr lang="en-GB" dirty="0" err="1"/>
+              <a:t>Action_State</a:t>
+            </a:r>
+            <a:r>
+              <a:rPr lang="en-GB" dirty="0"/>
+              <a:t> (</a:t>
+            </a:r>
+            <a:r>
+              <a:rPr lang="en-GB" dirty="0" err="1"/>
+              <a:t>frac_c</a:t>
+            </a:r>
+            <a:r>
+              <a:rPr lang="en-GB" dirty="0"/>
+              <a:t>, </a:t>
+            </a:r>
+            <a:r>
+              <a:rPr lang="en-GB" dirty="0" err="1"/>
+              <a:t>frac_d</a:t>
+            </a:r>
+            <a:r>
+              <a:rPr lang="en-GB" dirty="0"/>
+              <a:t>) </a:t>
+            </a:r>
+          </a:p>
+          <a:p>
+            <a:r>
+              <a:rPr lang="en-GB" dirty="0"/>
+              <a:t>Reward modelled : -(Grid Cost + Wasted Energy)</a:t>
+            </a:r>
+          </a:p>
+          <a:p>
+            <a:endParaRPr lang="en-GB" dirty="0"/>
+          </a:p>
+          <a:p>
+            <a:r>
+              <a:rPr lang="en-GB" dirty="0"/>
+              <a:t>Final Cost: 18.173</a:t>
+            </a:r>
+          </a:p>
+          <a:p>
+            <a:endParaRPr lang="en-GB" dirty="0"/>
+          </a:p>
+        </p:txBody>
+      </p:sp>
+    </p:spTree>
+    <p:extLst>
+      <p:ext uri="{BB962C8B-B14F-4D97-AF65-F5344CB8AC3E}">
+        <p14:creationId xmlns:p14="http://schemas.microsoft.com/office/powerpoint/2010/main" val="1097399852"/>
+      </p:ext>
+    </p:extLst>
+  </p:cSld>
+  <p:clrMapOvr>
+    <a:masterClrMapping/>
+  </p:clrMapOvr>
+</p:sld>
+</file>
+
+<file path=ppt/slides/slide11.xml><?xml version="1.0" encoding="utf-8"?>
+<p:sld xmlns:a="http://schemas.openxmlformats.org/drawingml/2006/main" xmlns:r="http://schemas.openxmlformats.org/officeDocument/2006/relationships" xmlns:p="http://schemas.openxmlformats.org/presentationml/2006/main">
+  <p:cSld>
+    <p:spTree>
+      <p:nvGrpSpPr>
+        <p:cNvPr id="1" name=""/>
+        <p:cNvGrpSpPr/>
+        <p:nvPr/>
+      </p:nvGrpSpPr>
+      <p:grpSpPr>
+        <a:xfrm>
+          <a:off x="0" y="0"/>
+          <a:ext cx="0" cy="0"/>
+          <a:chOff x="0" y="0"/>
+          <a:chExt cx="0" cy="0"/>
+        </a:xfrm>
+      </p:grpSpPr>
+      <p:sp>
+        <p:nvSpPr>
+          <p:cNvPr id="2" name="Título 1">
+            <a:extLst>
+              <a:ext uri="{FF2B5EF4-FFF2-40B4-BE49-F238E27FC236}">
                 <a16:creationId xmlns:a16="http://schemas.microsoft.com/office/drawing/2014/main" id="{CCBC7228-963A-FB7F-BBB2-E9CD8A0A2218}"/>
               </a:ext>
             </a:extLst>
@@ -5927,18 +6201,9 @@
           <a:lstStyle/>
           <a:p>
             <a:r>
-              <a:rPr lang="pt-PT" dirty="0" err="1"/>
-              <a:t>Comparative</a:t>
-            </a:r>
-            <a:r>
-              <a:rPr lang="pt-PT" dirty="0"/>
-              <a:t> </a:t>
-            </a:r>
-            <a:r>
-              <a:rPr lang="pt-PT" dirty="0" err="1"/>
-              <a:t>Analysis</a:t>
-            </a:r>
-            <a:endParaRPr lang="pt-PT" dirty="0"/>
+              <a:rPr lang="en-GB" noProof="0" dirty="0"/>
+              <a:t>Comparative Analysis</a:t>
+            </a:r>
           </a:p>
         </p:txBody>
       </p:sp>
@@ -6066,10 +6331,9 @@
           <a:lstStyle/>
           <a:p>
             <a:r>
-              <a:rPr lang="pt-PT" noProof="0" dirty="0" err="1"/>
+              <a:rPr lang="en-GB" noProof="0" dirty="0"/>
               <a:t>Introduction</a:t>
             </a:r>
-            <a:endParaRPr lang="pt-PT" noProof="0" dirty="0"/>
           </a:p>
         </p:txBody>
       </p:sp>
@@ -6098,15 +6362,11 @@
               <a:buNone/>
             </a:pPr>
             <a:r>
-              <a:rPr lang="pt-PT" b="1" noProof="0" dirty="0" err="1"/>
-              <a:t>Problem</a:t>
-            </a:r>
-            <a:r>
-              <a:rPr lang="pt-PT" b="1" noProof="0" dirty="0"/>
-              <a:t>:</a:t>
-            </a:r>
-            <a:r>
-              <a:rPr lang="pt-PT" noProof="0" dirty="0"/>
+              <a:rPr lang="en-GB" b="1" noProof="0" dirty="0"/>
+              <a:t>Problem:</a:t>
+            </a:r>
+            <a:r>
+              <a:rPr lang="en-GB" noProof="0" dirty="0"/>
               <a:t> </a:t>
             </a:r>
           </a:p>
@@ -6115,123 +6375,23 @@
               <a:buNone/>
             </a:pPr>
             <a:r>
-              <a:rPr lang="pt-PT" noProof="0" dirty="0"/>
-              <a:t>		</a:t>
-            </a:r>
-            <a:r>
-              <a:rPr lang="pt-PT" noProof="0" dirty="0" err="1"/>
-              <a:t>Optimizing</a:t>
-            </a:r>
-            <a:r>
-              <a:rPr lang="pt-PT" noProof="0" dirty="0"/>
-              <a:t> </a:t>
-            </a:r>
-            <a:r>
-              <a:rPr lang="pt-PT" noProof="0" dirty="0" err="1"/>
-              <a:t>battery</a:t>
-            </a:r>
-            <a:r>
-              <a:rPr lang="pt-PT" noProof="0" dirty="0"/>
-              <a:t> </a:t>
-            </a:r>
-            <a:r>
-              <a:rPr lang="pt-PT" noProof="0" dirty="0" err="1"/>
-              <a:t>dispatch</a:t>
-            </a:r>
-            <a:r>
-              <a:rPr lang="pt-PT" noProof="0" dirty="0"/>
-              <a:t> in a </a:t>
-            </a:r>
-            <a:r>
-              <a:rPr lang="pt-PT" noProof="0" dirty="0" err="1"/>
-              <a:t>smart</a:t>
-            </a:r>
-            <a:r>
-              <a:rPr lang="pt-PT" noProof="0" dirty="0"/>
-              <a:t> </a:t>
-            </a:r>
-            <a:r>
-              <a:rPr lang="pt-PT" noProof="0" dirty="0" err="1"/>
-              <a:t>grid</a:t>
-            </a:r>
-            <a:r>
-              <a:rPr lang="pt-PT" noProof="0" dirty="0"/>
-              <a:t> to minimize </a:t>
-            </a:r>
-            <a:r>
-              <a:rPr lang="pt-PT" noProof="0" dirty="0" err="1"/>
-              <a:t>energy</a:t>
-            </a:r>
-            <a:r>
-              <a:rPr lang="pt-PT" noProof="0" dirty="0"/>
-              <a:t> </a:t>
-            </a:r>
-            <a:r>
-              <a:rPr lang="pt-PT" noProof="0" dirty="0" err="1"/>
-              <a:t>costs</a:t>
-            </a:r>
-            <a:r>
-              <a:rPr lang="pt-PT" noProof="0" dirty="0"/>
-              <a:t> </a:t>
-            </a:r>
-            <a:r>
-              <a:rPr lang="pt-PT" noProof="0" dirty="0" err="1"/>
-              <a:t>while</a:t>
-            </a:r>
-            <a:r>
-              <a:rPr lang="pt-PT" noProof="0" dirty="0"/>
-              <a:t> </a:t>
-            </a:r>
-            <a:r>
-              <a:rPr lang="pt-PT" noProof="0" dirty="0" err="1"/>
-              <a:t>ensuring</a:t>
-            </a:r>
-            <a:r>
-              <a:rPr lang="pt-PT" noProof="0" dirty="0"/>
-              <a:t> </a:t>
-            </a:r>
-            <a:r>
-              <a:rPr lang="pt-PT" noProof="0" dirty="0" err="1"/>
-              <a:t>demand</a:t>
-            </a:r>
-            <a:r>
-              <a:rPr lang="pt-PT" noProof="0" dirty="0"/>
-              <a:t> </a:t>
-            </a:r>
-            <a:r>
-              <a:rPr lang="pt-PT" noProof="0" dirty="0" err="1"/>
-              <a:t>is</a:t>
-            </a:r>
-            <a:r>
-              <a:rPr lang="pt-PT" noProof="0" dirty="0"/>
-              <a:t> </a:t>
-            </a:r>
-            <a:r>
-              <a:rPr lang="pt-PT" noProof="0" dirty="0" err="1"/>
-              <a:t>met</a:t>
-            </a:r>
-            <a:r>
-              <a:rPr lang="pt-PT" noProof="0" dirty="0"/>
-              <a:t>.</a:t>
+              <a:rPr lang="en-GB" noProof="0" dirty="0"/>
+              <a:t>		Optimizing battery dispatch in a smart grid to minimize energy costs while ensuring demand is met.</a:t>
             </a:r>
           </a:p>
           <a:p>
             <a:pPr>
               <a:buNone/>
             </a:pPr>
-            <a:endParaRPr lang="pt-PT" dirty="0"/>
+            <a:endParaRPr lang="en-GB" noProof="0" dirty="0"/>
           </a:p>
           <a:p>
             <a:pPr>
               <a:buNone/>
             </a:pPr>
             <a:r>
-              <a:rPr lang="pt-PT" b="1" noProof="0" dirty="0" err="1"/>
-              <a:t>How</a:t>
-            </a:r>
-            <a:r>
-              <a:rPr lang="pt-PT" b="1" noProof="0" dirty="0"/>
-              <a:t>:</a:t>
+              <a:rPr lang="en-GB" b="1" noProof="0" dirty="0"/>
+              <a:t>How:</a:t>
             </a:r>
           </a:p>
           <a:p>
@@ -6239,7 +6399,7 @@
               <a:buNone/>
             </a:pPr>
             <a:r>
-              <a:rPr lang="en-US" dirty="0"/>
+              <a:rPr lang="en-GB" noProof="0" dirty="0"/>
               <a:t>	Simplex, Heuristic methods (DE, PSO), Reinforcement Learning</a:t>
             </a:r>
           </a:p>
@@ -6247,7 +6407,7 @@
             <a:pPr>
               <a:buNone/>
             </a:pPr>
-            <a:endParaRPr lang="pt-PT" b="1" noProof="0" dirty="0"/>
+            <a:endParaRPr lang="en-GB" b="1" noProof="0" dirty="0"/>
           </a:p>
         </p:txBody>
       </p:sp>
@@ -6286,7 +6446,7 @@
           <p:cNvPr id="2" name="Título 1">
             <a:extLst>
               <a:ext uri="{FF2B5EF4-FFF2-40B4-BE49-F238E27FC236}">
-                <a16:creationId xmlns:a16="http://schemas.microsoft.com/office/drawing/2014/main" id="{932BE7E5-45EF-DEA8-9EC7-29BFADC50A40}"/>
+                <a16:creationId xmlns:a16="http://schemas.microsoft.com/office/drawing/2014/main" id="{7CE7EA1E-04E8-8232-E38E-B5F742B5EB13}"/>
               </a:ext>
             </a:extLst>
           </p:cNvPr>
@@ -6303,18 +6463,9 @@
           <a:lstStyle/>
           <a:p>
             <a:r>
-              <a:rPr lang="pt-PT" dirty="0" err="1"/>
-              <a:t>Optimization</a:t>
-            </a:r>
-            <a:r>
-              <a:rPr lang="pt-PT" dirty="0"/>
-              <a:t> </a:t>
-            </a:r>
-            <a:r>
-              <a:rPr lang="pt-PT" dirty="0" err="1"/>
-              <a:t>Models</a:t>
-            </a:r>
-            <a:endParaRPr lang="pt-PT" dirty="0"/>
+              <a:rPr lang="en-GB" dirty="0"/>
+              <a:t>Data Preparation</a:t>
+            </a:r>
           </a:p>
         </p:txBody>
       </p:sp>
@@ -6323,7 +6474,7 @@
           <p:cNvPr id="3" name="Marcador de Posição de Conteúdo 2">
             <a:extLst>
               <a:ext uri="{FF2B5EF4-FFF2-40B4-BE49-F238E27FC236}">
-                <a16:creationId xmlns:a16="http://schemas.microsoft.com/office/drawing/2014/main" id="{DED6C986-FEF2-267B-9B4E-FEA789D20DC6}"/>
+                <a16:creationId xmlns:a16="http://schemas.microsoft.com/office/drawing/2014/main" id="{47EF399F-30DF-521A-CC4E-3360850F51A4}"/>
               </a:ext>
             </a:extLst>
           </p:cNvPr>
@@ -6340,92 +6491,64 @@
           <a:lstStyle/>
           <a:p>
             <a:r>
-              <a:rPr lang="pt-PT" dirty="0"/>
-              <a:t>Simplex (Linear </a:t>
-            </a:r>
-            <a:r>
-              <a:rPr lang="pt-PT" dirty="0" err="1"/>
-              <a:t>Programming</a:t>
-            </a:r>
-            <a:r>
-              <a:rPr lang="pt-PT" dirty="0"/>
-              <a:t>)</a:t>
-            </a:r>
-          </a:p>
-          <a:p>
-            <a:r>
-              <a:rPr lang="pt-PT" dirty="0" err="1"/>
-              <a:t>Differential</a:t>
-            </a:r>
-            <a:r>
-              <a:rPr lang="pt-PT" dirty="0"/>
-              <a:t> </a:t>
-            </a:r>
-            <a:r>
-              <a:rPr lang="pt-PT" dirty="0" err="1"/>
-              <a:t>Evolution</a:t>
-            </a:r>
-            <a:r>
-              <a:rPr lang="pt-PT" dirty="0"/>
-              <a:t> (DE)</a:t>
-            </a:r>
-          </a:p>
-          <a:p>
-            <a:r>
-              <a:rPr lang="en-US" dirty="0"/>
-              <a:t>Particle Swarm Optimization (PSO) - Single Agent</a:t>
-            </a:r>
-            <a:endParaRPr lang="pt-PT" dirty="0"/>
-          </a:p>
-          <a:p>
-            <a:r>
-              <a:rPr lang="pt-PT" dirty="0"/>
-              <a:t>PSO (</a:t>
-            </a:r>
-            <a:r>
-              <a:rPr lang="pt-PT" dirty="0" err="1"/>
-              <a:t>Multi-Agent</a:t>
-            </a:r>
-            <a:r>
-              <a:rPr lang="pt-PT" dirty="0"/>
-              <a:t>)</a:t>
-            </a:r>
-          </a:p>
-          <a:p>
-            <a:r>
-              <a:rPr lang="pt-PT" dirty="0" err="1"/>
-              <a:t>Reinforcement</a:t>
-            </a:r>
-            <a:r>
-              <a:rPr lang="pt-PT" dirty="0"/>
-              <a:t> </a:t>
-            </a:r>
-            <a:r>
-              <a:rPr lang="pt-PT" dirty="0" err="1"/>
-              <a:t>Learning</a:t>
-            </a:r>
-            <a:r>
-              <a:rPr lang="pt-PT" dirty="0"/>
-              <a:t> (</a:t>
-            </a:r>
-            <a:r>
-              <a:rPr lang="pt-PT" dirty="0" err="1"/>
-              <a:t>Multi-Agent</a:t>
-            </a:r>
-            <a:r>
-              <a:rPr lang="pt-PT" dirty="0"/>
-              <a:t>)</a:t>
-            </a:r>
-          </a:p>
-          <a:p>
-            <a:endParaRPr lang="pt-PT" dirty="0"/>
-          </a:p>
-        </p:txBody>
-      </p:sp>
+              <a:rPr lang="en-GB" dirty="0"/>
+              <a:t>1Year - 2 Months of data</a:t>
+            </a:r>
+          </a:p>
+          <a:p>
+            <a:r>
+              <a:rPr lang="en-GB" dirty="0"/>
+              <a:t>15min - 8H intervals</a:t>
+            </a:r>
+          </a:p>
+          <a:p>
+            <a:pPr marL="0" indent="0">
+              <a:buNone/>
+            </a:pPr>
+            <a:endParaRPr lang="en-GB" dirty="0"/>
+          </a:p>
+        </p:txBody>
+      </p:sp>
+      <p:pic>
+        <p:nvPicPr>
+          <p:cNvPr id="5" name="Imagem 4" descr="Uma imagem com texto, diagrama, Gráfico, captura de ecrã&#10;&#10;Os conteúdos gerados por IA poderão estar incorretos.">
+            <a:extLst>
+              <a:ext uri="{FF2B5EF4-FFF2-40B4-BE49-F238E27FC236}">
+                <a16:creationId xmlns:a16="http://schemas.microsoft.com/office/drawing/2014/main" id="{753A058A-A419-EADE-F7A4-96D434E7A46F}"/>
+              </a:ext>
+            </a:extLst>
+          </p:cNvPr>
+          <p:cNvPicPr>
+            <a:picLocks noChangeAspect="1"/>
+          </p:cNvPicPr>
+          <p:nvPr/>
+        </p:nvPicPr>
+        <p:blipFill>
+          <a:blip r:embed="rId2">
+            <a:extLst>
+              <a:ext uri="{28A0092B-C50C-407E-A947-70E740481C1C}">
+                <a14:useLocalDpi xmlns:a14="http://schemas.microsoft.com/office/drawing/2010/main" val="0"/>
+              </a:ext>
+            </a:extLst>
+          </a:blip>
+          <a:stretch>
+            <a:fillRect/>
+          </a:stretch>
+        </p:blipFill>
+        <p:spPr>
+          <a:xfrm>
+            <a:off x="4322121" y="2053791"/>
+            <a:ext cx="6390797" cy="3834478"/>
+          </a:xfrm>
+          <a:prstGeom prst="rect">
+            <a:avLst/>
+          </a:prstGeom>
+        </p:spPr>
+      </p:pic>
     </p:spTree>
     <p:extLst>
       <p:ext uri="{BB962C8B-B14F-4D97-AF65-F5344CB8AC3E}">
-        <p14:creationId xmlns:p14="http://schemas.microsoft.com/office/powerpoint/2010/main" val="2580595808"/>
+        <p14:creationId xmlns:p14="http://schemas.microsoft.com/office/powerpoint/2010/main" val="2362813367"/>
       </p:ext>
     </p:extLst>
   </p:cSld>
@@ -6474,18 +6597,9 @@
           <a:lstStyle/>
           <a:p>
             <a:r>
-              <a:rPr lang="pt-PT" dirty="0" err="1"/>
-              <a:t>Optimization</a:t>
-            </a:r>
-            <a:r>
-              <a:rPr lang="pt-PT" dirty="0"/>
-              <a:t> </a:t>
-            </a:r>
-            <a:r>
-              <a:rPr lang="pt-PT" dirty="0" err="1"/>
-              <a:t>Models</a:t>
-            </a:r>
-            <a:endParaRPr lang="pt-PT" dirty="0"/>
+              <a:rPr lang="en-GB" noProof="0" dirty="0"/>
+              <a:t>Optimization Models</a:t>
+            </a:r>
           </a:p>
         </p:txBody>
       </p:sp>
@@ -6923,7 +7037,7 @@
           </a:bodyPr>
           <a:lstStyle/>
           <a:p>
-            <a:endParaRPr lang="pt-PT" dirty="0"/>
+            <a:endParaRPr lang="en-GB" noProof="0" dirty="0"/>
           </a:p>
         </p:txBody>
       </p:sp>
@@ -6962,7 +7076,7 @@
           </a:bodyPr>
           <a:lstStyle/>
           <a:p>
-            <a:endParaRPr lang="pt-PT" dirty="0"/>
+            <a:endParaRPr lang="en-GB" noProof="0" dirty="0"/>
           </a:p>
         </p:txBody>
       </p:sp>
@@ -7001,7 +7115,7 @@
           </a:bodyPr>
           <a:lstStyle/>
           <a:p>
-            <a:endParaRPr lang="pt-PT" dirty="0"/>
+            <a:endParaRPr lang="en-GB" noProof="0" dirty="0"/>
           </a:p>
         </p:txBody>
       </p:sp>
@@ -7040,7 +7154,7 @@
           </a:bodyPr>
           <a:lstStyle/>
           <a:p>
-            <a:endParaRPr lang="pt-PT" dirty="0"/>
+            <a:endParaRPr lang="en-GB" noProof="0" dirty="0"/>
           </a:p>
         </p:txBody>
       </p:sp>
@@ -7079,7 +7193,7 @@
           </a:bodyPr>
           <a:lstStyle/>
           <a:p>
-            <a:endParaRPr lang="pt-PT" dirty="0"/>
+            <a:endParaRPr lang="en-GB" noProof="0" dirty="0"/>
           </a:p>
         </p:txBody>
       </p:sp>
@@ -7118,7 +7232,7 @@
           </a:bodyPr>
           <a:lstStyle/>
           <a:p>
-            <a:endParaRPr lang="pt-PT" dirty="0"/>
+            <a:endParaRPr lang="en-GB" noProof="0" dirty="0"/>
           </a:p>
         </p:txBody>
       </p:sp>
@@ -7157,7 +7271,7 @@
           </a:bodyPr>
           <a:lstStyle/>
           <a:p>
-            <a:endParaRPr lang="pt-PT" dirty="0"/>
+            <a:endParaRPr lang="en-GB" noProof="0" dirty="0"/>
           </a:p>
         </p:txBody>
       </p:sp>
@@ -7196,7 +7310,7 @@
           </a:bodyPr>
           <a:lstStyle/>
           <a:p>
-            <a:endParaRPr lang="pt-PT" dirty="0"/>
+            <a:endParaRPr lang="en-GB" noProof="0" dirty="0"/>
           </a:p>
         </p:txBody>
       </p:sp>
@@ -7235,7 +7349,7 @@
           </a:bodyPr>
           <a:lstStyle/>
           <a:p>
-            <a:endParaRPr lang="pt-PT" dirty="0"/>
+            <a:endParaRPr lang="en-GB" noProof="0" dirty="0"/>
           </a:p>
         </p:txBody>
       </p:sp>
@@ -7274,7 +7388,7 @@
           </a:bodyPr>
           <a:lstStyle/>
           <a:p>
-            <a:endParaRPr lang="pt-PT" dirty="0"/>
+            <a:endParaRPr lang="en-GB" noProof="0" dirty="0"/>
           </a:p>
         </p:txBody>
       </p:sp>
@@ -7313,7 +7427,7 @@
           </a:bodyPr>
           <a:lstStyle/>
           <a:p>
-            <a:endParaRPr lang="pt-PT" dirty="0"/>
+            <a:endParaRPr lang="en-GB" noProof="0" dirty="0"/>
           </a:p>
         </p:txBody>
       </p:sp>
@@ -7886,7 +8000,7 @@
           <a:lstStyle/>
           <a:p>
             <a:r>
-              <a:rPr lang="pt-PT" dirty="0"/>
+              <a:rPr lang="en-GB" noProof="0" dirty="0"/>
               <a:t>Simplex</a:t>
             </a:r>
           </a:p>
@@ -7913,16 +8027,46 @@
           <a:bodyPr/>
           <a:lstStyle/>
           <a:p>
-            <a:endParaRPr lang="pt-PT" dirty="0"/>
+            <a:r>
+              <a:rPr lang="en-GB" noProof="0" dirty="0"/>
+              <a:t>Variables: 2*T = 360</a:t>
+            </a:r>
+          </a:p>
+          <a:p>
+            <a:r>
+              <a:rPr lang="en-GB" noProof="0" dirty="0"/>
+              <a:t> </a:t>
+            </a:r>
+          </a:p>
+          <a:p>
+            <a:endParaRPr lang="en-GB" dirty="0"/>
+          </a:p>
+          <a:p>
+            <a:r>
+              <a:rPr lang="en-GB" dirty="0"/>
+              <a:t>Optimized Cost:</a:t>
+            </a:r>
+          </a:p>
+          <a:p>
+            <a:pPr lvl="1"/>
+            <a:r>
+              <a:rPr lang="en-GB" noProof="0" dirty="0"/>
+              <a:t>17.693</a:t>
+            </a:r>
+            <a:r>
+              <a:rPr lang="en-GB" dirty="0"/>
+              <a:t>€</a:t>
+            </a:r>
+            <a:endParaRPr lang="en-GB" noProof="0" dirty="0"/>
           </a:p>
         </p:txBody>
       </p:sp>
       <p:pic>
         <p:nvPicPr>
-          <p:cNvPr id="7" name="Imagem 6">
+          <p:cNvPr id="5" name="Imagem 4" descr="Uma imagem com texto, captura de ecrã, Gráfico, diagrama&#10;&#10;Os conteúdos gerados por IA poderão estar incorretos.">
             <a:extLst>
               <a:ext uri="{FF2B5EF4-FFF2-40B4-BE49-F238E27FC236}">
-                <a16:creationId xmlns:a16="http://schemas.microsoft.com/office/drawing/2014/main" id="{3F1BD113-649E-9730-7BD0-40C2D46444D3}"/>
+                <a16:creationId xmlns:a16="http://schemas.microsoft.com/office/drawing/2014/main" id="{820C69CE-3409-14DC-FE7E-4070A96D8230}"/>
               </a:ext>
             </a:extLst>
           </p:cNvPr>
@@ -7932,15 +8076,20 @@
           <p:nvPr/>
         </p:nvPicPr>
         <p:blipFill>
-          <a:blip r:embed="rId2"/>
-          <a:stretch>
-            <a:fillRect/>
-          </a:stretch>
+          <a:blip r:embed="rId2">
+            <a:extLst>
+              <a:ext uri="{28A0092B-C50C-407E-A947-70E740481C1C}">
+                <a14:useLocalDpi xmlns:a14="http://schemas.microsoft.com/office/drawing/2010/main" val="0"/>
+              </a:ext>
+            </a:extLst>
+          </a:blip>
+          <a:srcRect l="7430" t="7324" r="9434" b="3526"/>
+          <a:stretch/>
         </p:blipFill>
         <p:spPr>
           <a:xfrm>
-            <a:off x="4328866" y="3556171"/>
-            <a:ext cx="3534268" cy="1181265"/>
+            <a:off x="4106173" y="1887888"/>
+            <a:ext cx="7586077" cy="3486367"/>
           </a:xfrm>
           <a:prstGeom prst="rect">
             <a:avLst/>
@@ -7982,6 +8131,179 @@
           <p:cNvPr id="2" name="Título 1">
             <a:extLst>
               <a:ext uri="{FF2B5EF4-FFF2-40B4-BE49-F238E27FC236}">
+                <a16:creationId xmlns:a16="http://schemas.microsoft.com/office/drawing/2014/main" id="{F6DF87A1-F616-8188-56F6-3F9201DE28B7}"/>
+              </a:ext>
+            </a:extLst>
+          </p:cNvPr>
+          <p:cNvSpPr>
+            <a:spLocks noGrp="1"/>
+          </p:cNvSpPr>
+          <p:nvPr>
+            <p:ph type="title"/>
+          </p:nvPr>
+        </p:nvSpPr>
+        <p:spPr/>
+        <p:txBody>
+          <a:bodyPr/>
+          <a:lstStyle/>
+          <a:p>
+            <a:r>
+              <a:rPr lang="en-GB" noProof="0" dirty="0"/>
+              <a:t>Common Features </a:t>
+            </a:r>
+          </a:p>
+        </p:txBody>
+      </p:sp>
+      <p:sp>
+        <p:nvSpPr>
+          <p:cNvPr id="3" name="Marcador de Posição de Conteúdo 2">
+            <a:extLst>
+              <a:ext uri="{FF2B5EF4-FFF2-40B4-BE49-F238E27FC236}">
+                <a16:creationId xmlns:a16="http://schemas.microsoft.com/office/drawing/2014/main" id="{3CD08206-76FD-3009-AA3B-DD8F01E77B91}"/>
+              </a:ext>
+            </a:extLst>
+          </p:cNvPr>
+          <p:cNvSpPr>
+            <a:spLocks noGrp="1"/>
+          </p:cNvSpPr>
+          <p:nvPr>
+            <p:ph idx="1"/>
+          </p:nvPr>
+        </p:nvSpPr>
+        <p:spPr/>
+        <p:txBody>
+          <a:bodyPr/>
+          <a:lstStyle/>
+          <a:p>
+            <a:r>
+              <a:rPr lang="en-GB" noProof="0" dirty="0"/>
+              <a:t>Optimize charging power </a:t>
+            </a:r>
+            <a:r>
+              <a:rPr lang="en-GB" noProof="0" dirty="0" err="1"/>
+              <a:t>Pc,tP</a:t>
+            </a:r>
+            <a:r>
+              <a:rPr lang="en-GB" noProof="0" dirty="0"/>
+              <a:t>_{</a:t>
+            </a:r>
+            <a:r>
+              <a:rPr lang="en-GB" noProof="0" dirty="0" err="1"/>
+              <a:t>c,t</a:t>
+            </a:r>
+            <a:r>
+              <a:rPr lang="en-GB" noProof="0" dirty="0"/>
+              <a:t>}</a:t>
+            </a:r>
+            <a:r>
+              <a:rPr lang="en-GB" noProof="0" dirty="0" err="1"/>
+              <a:t>Pc,t</a:t>
+            </a:r>
+            <a:r>
+              <a:rPr lang="en-GB" noProof="0" dirty="0"/>
+              <a:t>​ and discharging power </a:t>
+            </a:r>
+            <a:r>
+              <a:rPr lang="en-GB" noProof="0" dirty="0" err="1"/>
+              <a:t>Pd,tP</a:t>
+            </a:r>
+            <a:r>
+              <a:rPr lang="en-GB" noProof="0" dirty="0"/>
+              <a:t>_{</a:t>
+            </a:r>
+            <a:r>
+              <a:rPr lang="en-GB" noProof="0" dirty="0" err="1"/>
+              <a:t>d,t</a:t>
+            </a:r>
+            <a:r>
+              <a:rPr lang="en-GB" noProof="0" dirty="0"/>
+              <a:t>}</a:t>
+            </a:r>
+            <a:r>
+              <a:rPr lang="en-GB" noProof="0" dirty="0" err="1"/>
+              <a:t>Pd,t</a:t>
+            </a:r>
+            <a:r>
+              <a:rPr lang="en-GB" noProof="0" dirty="0"/>
+              <a:t>​, while calculating SoC and grid usage internally</a:t>
+            </a:r>
+          </a:p>
+          <a:p>
+            <a:endParaRPr lang="en-GB" dirty="0"/>
+          </a:p>
+          <a:p>
+            <a:pPr>
+              <a:buNone/>
+            </a:pPr>
+            <a:r>
+              <a:rPr lang="en-US" b="1" dirty="0"/>
+              <a:t>Grid and Waste Calculation</a:t>
+            </a:r>
+            <a:r>
+              <a:rPr lang="en-US" dirty="0"/>
+              <a:t>:</a:t>
+            </a:r>
+          </a:p>
+          <a:p>
+            <a:pPr>
+              <a:buFont typeface="Arial" panose="020B0604020202020204" pitchFamily="34" charset="0"/>
+              <a:buChar char="•"/>
+            </a:pPr>
+            <a:r>
+              <a:rPr lang="en-US" dirty="0"/>
+              <a:t>Grid Power is computed as the gap between demand and battery contribution.</a:t>
+            </a:r>
+          </a:p>
+          <a:p>
+            <a:pPr>
+              <a:buFont typeface="Arial" panose="020B0604020202020204" pitchFamily="34" charset="0"/>
+              <a:buChar char="•"/>
+            </a:pPr>
+            <a:r>
+              <a:rPr lang="en-US" dirty="0"/>
+              <a:t>Waste is calculated as excess production not stored in the battery.</a:t>
+            </a:r>
+          </a:p>
+          <a:p>
+            <a:endParaRPr lang="en-GB" noProof="0" dirty="0"/>
+          </a:p>
+        </p:txBody>
+      </p:sp>
+    </p:spTree>
+    <p:extLst>
+      <p:ext uri="{BB962C8B-B14F-4D97-AF65-F5344CB8AC3E}">
+        <p14:creationId xmlns:p14="http://schemas.microsoft.com/office/powerpoint/2010/main" val="1820760442"/>
+      </p:ext>
+    </p:extLst>
+  </p:cSld>
+  <p:clrMapOvr>
+    <a:masterClrMapping/>
+  </p:clrMapOvr>
+</p:sld>
+</file>
+
+<file path=ppt/slides/slide7.xml><?xml version="1.0" encoding="utf-8"?>
+<p:sld xmlns:a="http://schemas.openxmlformats.org/drawingml/2006/main" xmlns:r="http://schemas.openxmlformats.org/officeDocument/2006/relationships" xmlns:p="http://schemas.openxmlformats.org/presentationml/2006/main">
+  <p:cSld>
+    <p:spTree>
+      <p:nvGrpSpPr>
+        <p:cNvPr id="1" name=""/>
+        <p:cNvGrpSpPr/>
+        <p:nvPr/>
+      </p:nvGrpSpPr>
+      <p:grpSpPr>
+        <a:xfrm>
+          <a:off x="0" y="0"/>
+          <a:ext cx="0" cy="0"/>
+          <a:chOff x="0" y="0"/>
+          <a:chExt cx="0" cy="0"/>
+        </a:xfrm>
+      </p:grpSpPr>
+      <p:sp>
+        <p:nvSpPr>
+          <p:cNvPr id="2" name="Título 1">
+            <a:extLst>
+              <a:ext uri="{FF2B5EF4-FFF2-40B4-BE49-F238E27FC236}">
                 <a16:creationId xmlns:a16="http://schemas.microsoft.com/office/drawing/2014/main" id="{54B3E928-E42B-9615-21E4-A16506A28A18}"/>
               </a:ext>
             </a:extLst>
@@ -8001,26 +8323,9 @@
           <a:lstStyle/>
           <a:p>
             <a:r>
-              <a:rPr lang="pt-PT" sz="3200" dirty="0" err="1"/>
-              <a:t>Differential</a:t>
-            </a:r>
-            <a:r>
-              <a:rPr lang="pt-PT" sz="3200" dirty="0"/>
-              <a:t> </a:t>
-            </a:r>
-            <a:r>
-              <a:rPr lang="pt-PT" sz="3200" dirty="0" err="1"/>
-              <a:t>Evolution</a:t>
-            </a:r>
-            <a:r>
-              <a:rPr lang="pt-PT" sz="3200" dirty="0"/>
-              <a:t> (DE) – Single </a:t>
-            </a:r>
-            <a:r>
-              <a:rPr lang="pt-PT" sz="3200" dirty="0" err="1"/>
-              <a:t>Agent</a:t>
-            </a:r>
-            <a:endParaRPr lang="pt-PT" sz="3200" dirty="0"/>
+              <a:rPr lang="en-GB" sz="3200" noProof="0" dirty="0"/>
+              <a:t>Differential Evolution (DE) – Single Agent</a:t>
+            </a:r>
           </a:p>
         </p:txBody>
       </p:sp>
@@ -8045,16 +8350,25 @@
           <a:bodyPr/>
           <a:lstStyle/>
           <a:p>
-            <a:endParaRPr lang="pt-PT" dirty="0"/>
+            <a:r>
+              <a:rPr lang="en-GB" noProof="0" dirty="0"/>
+              <a:t>Variables: 2*T = 360</a:t>
+            </a:r>
+          </a:p>
+          <a:p>
+            <a:r>
+              <a:rPr lang="en-GB" noProof="0" dirty="0"/>
+              <a:t>Single producer, single consumer.</a:t>
+            </a:r>
           </a:p>
         </p:txBody>
       </p:sp>
       <p:pic>
         <p:nvPicPr>
-          <p:cNvPr id="5" name="Imagem 4">
+          <p:cNvPr id="6" name="Imagem 5">
             <a:extLst>
               <a:ext uri="{FF2B5EF4-FFF2-40B4-BE49-F238E27FC236}">
-                <a16:creationId xmlns:a16="http://schemas.microsoft.com/office/drawing/2014/main" id="{E51DEC7C-74A1-2D61-CF84-BE956B3411EB}"/>
+                <a16:creationId xmlns:a16="http://schemas.microsoft.com/office/drawing/2014/main" id="{6859D510-D29D-09D3-6C63-8E4812B72621}"/>
               </a:ext>
             </a:extLst>
           </p:cNvPr>
@@ -8071,8 +8385,8 @@
         </p:blipFill>
         <p:spPr>
           <a:xfrm>
-            <a:off x="3614391" y="3170301"/>
-            <a:ext cx="4963218" cy="1552792"/>
+            <a:off x="3789491" y="3079515"/>
+            <a:ext cx="6735115" cy="2924583"/>
           </a:xfrm>
           <a:prstGeom prst="rect">
             <a:avLst/>
@@ -8092,7 +8406,7 @@
 </p:sld>
 </file>
 
-<file path=ppt/slides/slide7.xml><?xml version="1.0" encoding="utf-8"?>
+<file path=ppt/slides/slide8.xml><?xml version="1.0" encoding="utf-8"?>
 <p:sld xmlns:a="http://schemas.openxmlformats.org/drawingml/2006/main" xmlns:r="http://schemas.openxmlformats.org/officeDocument/2006/relationships" xmlns:p="http://schemas.openxmlformats.org/presentationml/2006/main">
   <p:cSld>
     <p:spTree>
@@ -8139,10 +8453,9 @@
           <a:lstStyle/>
           <a:p>
             <a:r>
-              <a:rPr lang="en-US" sz="2800" dirty="0"/>
+              <a:rPr lang="en-GB" sz="2800" noProof="0" dirty="0"/>
               <a:t>Particle Swarm Optimization (PSO) - Single Agent</a:t>
             </a:r>
-            <a:endParaRPr lang="pt-PT" sz="2800" dirty="0"/>
           </a:p>
         </p:txBody>
       </p:sp>
@@ -8167,7 +8480,16 @@
           <a:bodyPr/>
           <a:lstStyle/>
           <a:p>
-            <a:endParaRPr lang="pt-PT" dirty="0"/>
+            <a:r>
+              <a:rPr lang="en-GB" noProof="0" dirty="0"/>
+              <a:t>Variables: 2*T = 360</a:t>
+            </a:r>
+          </a:p>
+          <a:p>
+            <a:r>
+              <a:rPr lang="en-GB" noProof="0" dirty="0"/>
+              <a:t>Single producer, single consumer.</a:t>
+            </a:r>
           </a:p>
         </p:txBody>
       </p:sp>
@@ -8193,8 +8515,38 @@
         </p:blipFill>
         <p:spPr>
           <a:xfrm>
-            <a:off x="3590575" y="2824078"/>
+            <a:off x="3590575" y="2984026"/>
             <a:ext cx="5010849" cy="1209844"/>
+          </a:xfrm>
+          <a:prstGeom prst="rect">
+            <a:avLst/>
+          </a:prstGeom>
+        </p:spPr>
+      </p:pic>
+      <p:pic>
+        <p:nvPicPr>
+          <p:cNvPr id="4" name="Imagem 3">
+            <a:extLst>
+              <a:ext uri="{FF2B5EF4-FFF2-40B4-BE49-F238E27FC236}">
+                <a16:creationId xmlns:a16="http://schemas.microsoft.com/office/drawing/2014/main" id="{3B6585DF-85E4-9788-464E-B1F7099C62CB}"/>
+              </a:ext>
+            </a:extLst>
+          </p:cNvPr>
+          <p:cNvPicPr>
+            <a:picLocks noChangeAspect="1"/>
+          </p:cNvPicPr>
+          <p:nvPr/>
+        </p:nvPicPr>
+        <p:blipFill>
+          <a:blip r:embed="rId4"/>
+          <a:stretch>
+            <a:fillRect/>
+          </a:stretch>
+        </p:blipFill>
+        <p:spPr>
+          <a:xfrm>
+            <a:off x="3590575" y="4207586"/>
+            <a:ext cx="5792008" cy="1790950"/>
           </a:xfrm>
           <a:prstGeom prst="rect">
             <a:avLst/>
@@ -8205,127 +8557,6 @@
     <p:extLst>
       <p:ext uri="{BB962C8B-B14F-4D97-AF65-F5344CB8AC3E}">
         <p14:creationId xmlns:p14="http://schemas.microsoft.com/office/powerpoint/2010/main" val="4033767671"/>
-      </p:ext>
-    </p:extLst>
-  </p:cSld>
-  <p:clrMapOvr>
-    <a:masterClrMapping/>
-  </p:clrMapOvr>
-</p:sld>
-</file>
-
-<file path=ppt/slides/slide8.xml><?xml version="1.0" encoding="utf-8"?>
-<p:sld xmlns:a="http://schemas.openxmlformats.org/drawingml/2006/main" xmlns:r="http://schemas.openxmlformats.org/officeDocument/2006/relationships" xmlns:p="http://schemas.openxmlformats.org/presentationml/2006/main">
-  <p:cSld>
-    <p:spTree>
-      <p:nvGrpSpPr>
-        <p:cNvPr id="1" name=""/>
-        <p:cNvGrpSpPr/>
-        <p:nvPr/>
-      </p:nvGrpSpPr>
-      <p:grpSpPr>
-        <a:xfrm>
-          <a:off x="0" y="0"/>
-          <a:ext cx="0" cy="0"/>
-          <a:chOff x="0" y="0"/>
-          <a:chExt cx="0" cy="0"/>
-        </a:xfrm>
-      </p:grpSpPr>
-      <p:sp>
-        <p:nvSpPr>
-          <p:cNvPr id="2" name="Título 1">
-            <a:extLst>
-              <a:ext uri="{FF2B5EF4-FFF2-40B4-BE49-F238E27FC236}">
-                <a16:creationId xmlns:a16="http://schemas.microsoft.com/office/drawing/2014/main" id="{E1CBE1E3-7682-8266-8C60-EF25D25FE5B9}"/>
-              </a:ext>
-            </a:extLst>
-          </p:cNvPr>
-          <p:cNvSpPr>
-            <a:spLocks noGrp="1"/>
-          </p:cNvSpPr>
-          <p:nvPr>
-            <p:ph type="title"/>
-          </p:nvPr>
-        </p:nvSpPr>
-        <p:spPr/>
-        <p:txBody>
-          <a:bodyPr/>
-          <a:lstStyle/>
-          <a:p>
-            <a:r>
-              <a:rPr lang="pt-PT" dirty="0"/>
-              <a:t>PSO (</a:t>
-            </a:r>
-            <a:r>
-              <a:rPr lang="pt-PT" dirty="0" err="1"/>
-              <a:t>Multi-Agent</a:t>
-            </a:r>
-            <a:r>
-              <a:rPr lang="pt-PT" dirty="0"/>
-              <a:t>)</a:t>
-            </a:r>
-          </a:p>
-        </p:txBody>
-      </p:sp>
-      <p:sp>
-        <p:nvSpPr>
-          <p:cNvPr id="3" name="Marcador de Posição de Conteúdo 2">
-            <a:extLst>
-              <a:ext uri="{FF2B5EF4-FFF2-40B4-BE49-F238E27FC236}">
-                <a16:creationId xmlns:a16="http://schemas.microsoft.com/office/drawing/2014/main" id="{80600FA0-23BB-78CC-77A3-C0A03211B945}"/>
-              </a:ext>
-            </a:extLst>
-          </p:cNvPr>
-          <p:cNvSpPr>
-            <a:spLocks noGrp="1"/>
-          </p:cNvSpPr>
-          <p:nvPr>
-            <p:ph idx="1"/>
-          </p:nvPr>
-        </p:nvSpPr>
-        <p:spPr/>
-        <p:txBody>
-          <a:bodyPr/>
-          <a:lstStyle/>
-          <a:p>
-            <a:endParaRPr lang="pt-PT" dirty="0"/>
-          </a:p>
-        </p:txBody>
-      </p:sp>
-      <p:pic>
-        <p:nvPicPr>
-          <p:cNvPr id="5" name="Imagem 4">
-            <a:extLst>
-              <a:ext uri="{FF2B5EF4-FFF2-40B4-BE49-F238E27FC236}">
-                <a16:creationId xmlns:a16="http://schemas.microsoft.com/office/drawing/2014/main" id="{99CC6836-2584-4A49-075C-27F67B15EE5C}"/>
-              </a:ext>
-            </a:extLst>
-          </p:cNvPr>
-          <p:cNvPicPr>
-            <a:picLocks noChangeAspect="1"/>
-          </p:cNvPicPr>
-          <p:nvPr/>
-        </p:nvPicPr>
-        <p:blipFill>
-          <a:blip r:embed="rId2"/>
-          <a:stretch>
-            <a:fillRect/>
-          </a:stretch>
-        </p:blipFill>
-        <p:spPr>
-          <a:xfrm>
-            <a:off x="3533417" y="3076468"/>
-            <a:ext cx="5125165" cy="1524213"/>
-          </a:xfrm>
-          <a:prstGeom prst="rect">
-            <a:avLst/>
-          </a:prstGeom>
-        </p:spPr>
-      </p:pic>
-    </p:spTree>
-    <p:extLst>
-      <p:ext uri="{BB962C8B-B14F-4D97-AF65-F5344CB8AC3E}">
-        <p14:creationId xmlns:p14="http://schemas.microsoft.com/office/powerpoint/2010/main" val="2835157163"/>
       </p:ext>
     </p:extLst>
   </p:cSld>
@@ -8357,7 +8588,7 @@
           <p:cNvPr id="2" name="Título 1">
             <a:extLst>
               <a:ext uri="{FF2B5EF4-FFF2-40B4-BE49-F238E27FC236}">
-                <a16:creationId xmlns:a16="http://schemas.microsoft.com/office/drawing/2014/main" id="{C5AD21E8-81E5-17D4-2CAC-BE8E9CD414BE}"/>
+                <a16:creationId xmlns:a16="http://schemas.microsoft.com/office/drawing/2014/main" id="{E1CBE1E3-7682-8266-8C60-EF25D25FE5B9}"/>
               </a:ext>
             </a:extLst>
           </p:cNvPr>
@@ -8374,8 +8605,8 @@
           <a:lstStyle/>
           <a:p>
             <a:r>
-              <a:rPr lang="pt-PT" dirty="0"/>
-              <a:t>RL</a:t>
+              <a:rPr lang="en-GB" noProof="0" dirty="0"/>
+              <a:t>PSO (Multi-Agent)</a:t>
             </a:r>
           </a:p>
         </p:txBody>
@@ -8385,7 +8616,7 @@
           <p:cNvPr id="3" name="Marcador de Posição de Conteúdo 2">
             <a:extLst>
               <a:ext uri="{FF2B5EF4-FFF2-40B4-BE49-F238E27FC236}">
-                <a16:creationId xmlns:a16="http://schemas.microsoft.com/office/drawing/2014/main" id="{6A58BAFE-873F-E702-C548-444C82A46920}"/>
+                <a16:creationId xmlns:a16="http://schemas.microsoft.com/office/drawing/2014/main" id="{80600FA0-23BB-78CC-77A3-C0A03211B945}"/>
               </a:ext>
             </a:extLst>
           </p:cNvPr>
@@ -8401,7 +8632,17 @@
           <a:bodyPr/>
           <a:lstStyle/>
           <a:p>
-            <a:endParaRPr lang="pt-PT" dirty="0"/>
+            <a:r>
+              <a:rPr lang="en-GB" noProof="0" dirty="0"/>
+              <a:t>Multi-agent (14 producers, 51 consumers)</a:t>
+            </a:r>
+          </a:p>
+          <a:p>
+            <a:r>
+              <a:rPr lang="en-GB" dirty="0"/>
+              <a:t>Decision Variables : 11.700</a:t>
+            </a:r>
+            <a:endParaRPr lang="en-GB" noProof="0" dirty="0"/>
           </a:p>
         </p:txBody>
       </p:sp>
@@ -8410,7 +8651,7 @@
           <p:cNvPr id="5" name="Imagem 4">
             <a:extLst>
               <a:ext uri="{FF2B5EF4-FFF2-40B4-BE49-F238E27FC236}">
-                <a16:creationId xmlns:a16="http://schemas.microsoft.com/office/drawing/2014/main" id="{4A30570B-7080-C569-121B-A2C0772BA730}"/>
+                <a16:creationId xmlns:a16="http://schemas.microsoft.com/office/drawing/2014/main" id="{99CC6836-2584-4A49-075C-27F67B15EE5C}"/>
               </a:ext>
             </a:extLst>
           </p:cNvPr>
@@ -8427,8 +8668,38 @@
         </p:blipFill>
         <p:spPr>
           <a:xfrm>
-            <a:off x="4219238" y="3143125"/>
-            <a:ext cx="4820323" cy="1790950"/>
+            <a:off x="6216232" y="1904787"/>
+            <a:ext cx="5125165" cy="1524213"/>
+          </a:xfrm>
+          <a:prstGeom prst="rect">
+            <a:avLst/>
+          </a:prstGeom>
+        </p:spPr>
+      </p:pic>
+      <p:pic>
+        <p:nvPicPr>
+          <p:cNvPr id="6" name="Imagem 5">
+            <a:extLst>
+              <a:ext uri="{FF2B5EF4-FFF2-40B4-BE49-F238E27FC236}">
+                <a16:creationId xmlns:a16="http://schemas.microsoft.com/office/drawing/2014/main" id="{959F7728-2E9A-D0E0-D850-233F82751823}"/>
+              </a:ext>
+            </a:extLst>
+          </p:cNvPr>
+          <p:cNvPicPr>
+            <a:picLocks noChangeAspect="1"/>
+          </p:cNvPicPr>
+          <p:nvPr/>
+        </p:nvPicPr>
+        <p:blipFill>
+          <a:blip r:embed="rId3"/>
+          <a:stretch>
+            <a:fillRect/>
+          </a:stretch>
+        </p:blipFill>
+        <p:spPr>
+          <a:xfrm>
+            <a:off x="3533417" y="3675155"/>
+            <a:ext cx="6716062" cy="2524477"/>
           </a:xfrm>
           <a:prstGeom prst="rect">
             <a:avLst/>
@@ -8438,7 +8709,7 @@
     </p:spTree>
     <p:extLst>
       <p:ext uri="{BB962C8B-B14F-4D97-AF65-F5344CB8AC3E}">
-        <p14:creationId xmlns:p14="http://schemas.microsoft.com/office/powerpoint/2010/main" val="1097399852"/>
+        <p14:creationId xmlns:p14="http://schemas.microsoft.com/office/powerpoint/2010/main" val="2835157163"/>
       </p:ext>
     </p:extLst>
   </p:cSld>
